--- a/Модульное тестирование.pptx
+++ b/Модульное тестирование.pptx
@@ -55,6 +55,13 @@
     <p:sldId id="300" r:id="rId50"/>
     <p:sldId id="301" r:id="rId51"/>
     <p:sldId id="302" r:id="rId52"/>
+    <p:sldId id="303" r:id="rId53"/>
+    <p:sldId id="304" r:id="rId54"/>
+    <p:sldId id="305" r:id="rId55"/>
+    <p:sldId id="306" r:id="rId56"/>
+    <p:sldId id="307" r:id="rId57"/>
+    <p:sldId id="308" r:id="rId58"/>
+    <p:sldId id="309" r:id="rId59"/>
   </p:sldIdLst>
   <p:sldSz cy="5143500" cx="9144000"/>
   <p:notesSz cx="6858000" cy="9144000"/>
@@ -3366,7 +3373,7 @@
   <p:cSld>
     <p:spTree>
       <p:nvGrpSpPr>
-        <p:cNvPr id="236" name="Shape 236"/>
+        <p:cNvPr id="235" name="Shape 235"/>
         <p:cNvGrpSpPr/>
         <p:nvPr/>
       </p:nvGrpSpPr>
@@ -3380,7 +3387,7 @@
       </p:grpSpPr>
       <p:sp>
         <p:nvSpPr>
-          <p:cNvPr id="237" name="Shape 237"/>
+          <p:cNvPr id="236" name="Shape 236"/>
           <p:cNvSpPr/>
           <p:nvPr>
             <p:ph idx="2" type="sldImg"/>
@@ -3424,7 +3431,7 @@
       </p:sp>
       <p:sp>
         <p:nvSpPr>
-          <p:cNvPr id="238" name="Shape 238"/>
+          <p:cNvPr id="237" name="Shape 237"/>
           <p:cNvSpPr txBox="1"/>
           <p:nvPr>
             <p:ph idx="1" type="body"/>
@@ -3471,7 +3478,7 @@
   <p:cSld>
     <p:spTree>
       <p:nvGrpSpPr>
-        <p:cNvPr id="242" name="Shape 242"/>
+        <p:cNvPr id="241" name="Shape 241"/>
         <p:cNvGrpSpPr/>
         <p:nvPr/>
       </p:nvGrpSpPr>
@@ -3485,7 +3492,7 @@
       </p:grpSpPr>
       <p:sp>
         <p:nvSpPr>
-          <p:cNvPr id="243" name="Shape 243"/>
+          <p:cNvPr id="242" name="Shape 242"/>
           <p:cNvSpPr/>
           <p:nvPr>
             <p:ph idx="2" type="sldImg"/>
@@ -3529,7 +3536,7 @@
       </p:sp>
       <p:sp>
         <p:nvSpPr>
-          <p:cNvPr id="244" name="Shape 244"/>
+          <p:cNvPr id="243" name="Shape 243"/>
           <p:cNvSpPr txBox="1"/>
           <p:nvPr>
             <p:ph idx="1" type="body"/>
@@ -4731,7 +4738,7 @@
   <p:cSld>
     <p:spTree>
       <p:nvGrpSpPr>
-        <p:cNvPr id="309" name="Shape 309"/>
+        <p:cNvPr id="308" name="Shape 308"/>
         <p:cNvGrpSpPr/>
         <p:nvPr/>
       </p:nvGrpSpPr>
@@ -4745,7 +4752,7 @@
       </p:grpSpPr>
       <p:sp>
         <p:nvSpPr>
-          <p:cNvPr id="310" name="Shape 310"/>
+          <p:cNvPr id="309" name="Shape 309"/>
           <p:cNvSpPr/>
           <p:nvPr>
             <p:ph idx="2" type="sldImg"/>
@@ -4789,7 +4796,7 @@
       </p:sp>
       <p:sp>
         <p:nvSpPr>
-          <p:cNvPr id="311" name="Shape 311"/>
+          <p:cNvPr id="310" name="Shape 310"/>
           <p:cNvSpPr txBox="1"/>
           <p:nvPr>
             <p:ph idx="1" type="body"/>
@@ -4831,12 +4838,12 @@
 </p:notes>
 </file>
 
-<file path=ppt/notesSlides/notesSlide5.xml><?xml version="1.0" encoding="utf-8"?>
+<file path=ppt/notesSlides/notesSlide48.xml><?xml version="1.0" encoding="utf-8"?>
 <p:notes xmlns:a="http://schemas.openxmlformats.org/drawingml/2006/main" xmlns:r="http://schemas.openxmlformats.org/officeDocument/2006/relationships" xmlns:mc="http://schemas.openxmlformats.org/markup-compatibility/2006" xmlns:mv="urn:schemas-microsoft-com:mac:vml" xmlns:p="http://schemas.openxmlformats.org/presentationml/2006/main" xmlns:c="http://schemas.openxmlformats.org/drawingml/2006/chart" xmlns:dgm="http://schemas.openxmlformats.org/drawingml/2006/diagram" xmlns:o="urn:schemas-microsoft-com:office:office" xmlns:v="urn:schemas-microsoft-com:vml" xmlns:pvml="urn:schemas-microsoft-com:office:powerpoint" xmlns:com="http://schemas.openxmlformats.org/drawingml/2006/compatibility" xmlns:p14="http://schemas.microsoft.com/office/powerpoint/2010/main" showMasterPhAnim="0" showMasterSp="0">
   <p:cSld>
     <p:spTree>
       <p:nvGrpSpPr>
-        <p:cNvPr id="50" name="Shape 50"/>
+        <p:cNvPr id="314" name="Shape 314"/>
         <p:cNvGrpSpPr/>
         <p:nvPr/>
       </p:nvGrpSpPr>
@@ -4850,7 +4857,7 @@
       </p:grpSpPr>
       <p:sp>
         <p:nvSpPr>
-          <p:cNvPr id="51" name="Shape 51"/>
+          <p:cNvPr id="315" name="Shape 315"/>
           <p:cNvSpPr/>
           <p:nvPr>
             <p:ph idx="2" type="sldImg"/>
@@ -4894,7 +4901,742 @@
       </p:sp>
       <p:sp>
         <p:nvSpPr>
+          <p:cNvPr id="316" name="Shape 316"/>
+          <p:cNvSpPr txBox="1"/>
+          <p:nvPr>
+            <p:ph idx="1" type="body"/>
+          </p:nvPr>
+        </p:nvSpPr>
+        <p:spPr>
+          <a:xfrm>
+            <a:off x="685800" y="4343400"/>
+            <a:ext cx="5486399" cy="4114800"/>
+          </a:xfrm>
+          <a:prstGeom prst="rect">
+            <a:avLst/>
+          </a:prstGeom>
+        </p:spPr>
+        <p:txBody>
+          <a:bodyPr anchorCtr="0" anchor="t" bIns="91425" lIns="91425" rIns="91425" tIns="91425">
+            <a:noAutofit/>
+          </a:bodyPr>
+          <a:lstStyle/>
+          <a:p>
+            <a:pPr>
+              <a:spcBef>
+                <a:spcPts val="0"/>
+              </a:spcBef>
+              <a:buNone/>
+            </a:pPr>
+            <a:r>
+              <a:t/>
+            </a:r>
+            <a:endParaRPr/>
+          </a:p>
+        </p:txBody>
+      </p:sp>
+    </p:spTree>
+  </p:cSld>
+  <p:clrMapOvr>
+    <a:masterClrMapping/>
+  </p:clrMapOvr>
+</p:notes>
+</file>
+
+<file path=ppt/notesSlides/notesSlide49.xml><?xml version="1.0" encoding="utf-8"?>
+<p:notes xmlns:a="http://schemas.openxmlformats.org/drawingml/2006/main" xmlns:r="http://schemas.openxmlformats.org/officeDocument/2006/relationships" xmlns:mc="http://schemas.openxmlformats.org/markup-compatibility/2006" xmlns:mv="urn:schemas-microsoft-com:mac:vml" xmlns:p="http://schemas.openxmlformats.org/presentationml/2006/main" xmlns:c="http://schemas.openxmlformats.org/drawingml/2006/chart" xmlns:dgm="http://schemas.openxmlformats.org/drawingml/2006/diagram" xmlns:o="urn:schemas-microsoft-com:office:office" xmlns:v="urn:schemas-microsoft-com:vml" xmlns:pvml="urn:schemas-microsoft-com:office:powerpoint" xmlns:com="http://schemas.openxmlformats.org/drawingml/2006/compatibility" xmlns:p14="http://schemas.microsoft.com/office/powerpoint/2010/main" showMasterPhAnim="0" showMasterSp="0">
+  <p:cSld>
+    <p:spTree>
+      <p:nvGrpSpPr>
+        <p:cNvPr id="320" name="Shape 320"/>
+        <p:cNvGrpSpPr/>
+        <p:nvPr/>
+      </p:nvGrpSpPr>
+      <p:grpSpPr>
+        <a:xfrm>
+          <a:off x="0" y="0"/>
+          <a:ext cx="0" cy="0"/>
+          <a:chOff x="0" y="0"/>
+          <a:chExt cx="0" cy="0"/>
+        </a:xfrm>
+      </p:grpSpPr>
+      <p:sp>
+        <p:nvSpPr>
+          <p:cNvPr id="321" name="Shape 321"/>
+          <p:cNvSpPr/>
+          <p:nvPr>
+            <p:ph idx="2" type="sldImg"/>
+          </p:nvPr>
+        </p:nvSpPr>
+        <p:spPr>
+          <a:xfrm>
+            <a:off x="381187" y="685800"/>
+            <a:ext cx="6096299" cy="3429000"/>
+          </a:xfrm>
+          <a:custGeom>
+            <a:pathLst>
+              <a:path extrusionOk="0" h="120000" w="120000">
+                <a:moveTo>
+                  <a:pt x="0" y="0"/>
+                </a:moveTo>
+                <a:lnTo>
+                  <a:pt x="120000" y="0"/>
+                </a:lnTo>
+                <a:lnTo>
+                  <a:pt x="120000" y="120000"/>
+                </a:lnTo>
+                <a:lnTo>
+                  <a:pt x="0" y="120000"/>
+                </a:lnTo>
+                <a:close/>
+              </a:path>
+            </a:pathLst>
+          </a:custGeom>
+          <a:noFill/>
+          <a:ln cap="flat" w="9525">
+            <a:solidFill>
+              <a:srgbClr val="000000"/>
+            </a:solidFill>
+            <a:prstDash val="solid"/>
+            <a:round/>
+            <a:headEnd len="med" w="med" type="none"/>
+            <a:tailEnd len="med" w="med" type="none"/>
+          </a:ln>
+        </p:spPr>
+      </p:sp>
+      <p:sp>
+        <p:nvSpPr>
+          <p:cNvPr id="322" name="Shape 322"/>
+          <p:cNvSpPr txBox="1"/>
+          <p:nvPr>
+            <p:ph idx="1" type="body"/>
+          </p:nvPr>
+        </p:nvSpPr>
+        <p:spPr>
+          <a:xfrm>
+            <a:off x="685800" y="4343400"/>
+            <a:ext cx="5486399" cy="4114800"/>
+          </a:xfrm>
+          <a:prstGeom prst="rect">
+            <a:avLst/>
+          </a:prstGeom>
+        </p:spPr>
+        <p:txBody>
+          <a:bodyPr anchorCtr="0" anchor="t" bIns="91425" lIns="91425" rIns="91425" tIns="91425">
+            <a:noAutofit/>
+          </a:bodyPr>
+          <a:lstStyle/>
+          <a:p>
+            <a:pPr>
+              <a:spcBef>
+                <a:spcPts val="0"/>
+              </a:spcBef>
+              <a:buNone/>
+            </a:pPr>
+            <a:r>
+              <a:t/>
+            </a:r>
+            <a:endParaRPr/>
+          </a:p>
+        </p:txBody>
+      </p:sp>
+    </p:spTree>
+  </p:cSld>
+  <p:clrMapOvr>
+    <a:masterClrMapping/>
+  </p:clrMapOvr>
+</p:notes>
+</file>
+
+<file path=ppt/notesSlides/notesSlide5.xml><?xml version="1.0" encoding="utf-8"?>
+<p:notes xmlns:a="http://schemas.openxmlformats.org/drawingml/2006/main" xmlns:r="http://schemas.openxmlformats.org/officeDocument/2006/relationships" xmlns:mc="http://schemas.openxmlformats.org/markup-compatibility/2006" xmlns:mv="urn:schemas-microsoft-com:mac:vml" xmlns:p="http://schemas.openxmlformats.org/presentationml/2006/main" xmlns:c="http://schemas.openxmlformats.org/drawingml/2006/chart" xmlns:dgm="http://schemas.openxmlformats.org/drawingml/2006/diagram" xmlns:o="urn:schemas-microsoft-com:office:office" xmlns:v="urn:schemas-microsoft-com:vml" xmlns:pvml="urn:schemas-microsoft-com:office:powerpoint" xmlns:com="http://schemas.openxmlformats.org/drawingml/2006/compatibility" xmlns:p14="http://schemas.microsoft.com/office/powerpoint/2010/main" showMasterPhAnim="0" showMasterSp="0">
+  <p:cSld>
+    <p:spTree>
+      <p:nvGrpSpPr>
+        <p:cNvPr id="50" name="Shape 50"/>
+        <p:cNvGrpSpPr/>
+        <p:nvPr/>
+      </p:nvGrpSpPr>
+      <p:grpSpPr>
+        <a:xfrm>
+          <a:off x="0" y="0"/>
+          <a:ext cx="0" cy="0"/>
+          <a:chOff x="0" y="0"/>
+          <a:chExt cx="0" cy="0"/>
+        </a:xfrm>
+      </p:grpSpPr>
+      <p:sp>
+        <p:nvSpPr>
+          <p:cNvPr id="51" name="Shape 51"/>
+          <p:cNvSpPr/>
+          <p:nvPr>
+            <p:ph idx="2" type="sldImg"/>
+          </p:nvPr>
+        </p:nvSpPr>
+        <p:spPr>
+          <a:xfrm>
+            <a:off x="381187" y="685800"/>
+            <a:ext cx="6096299" cy="3429000"/>
+          </a:xfrm>
+          <a:custGeom>
+            <a:pathLst>
+              <a:path extrusionOk="0" h="120000" w="120000">
+                <a:moveTo>
+                  <a:pt x="0" y="0"/>
+                </a:moveTo>
+                <a:lnTo>
+                  <a:pt x="120000" y="0"/>
+                </a:lnTo>
+                <a:lnTo>
+                  <a:pt x="120000" y="120000"/>
+                </a:lnTo>
+                <a:lnTo>
+                  <a:pt x="0" y="120000"/>
+                </a:lnTo>
+                <a:close/>
+              </a:path>
+            </a:pathLst>
+          </a:custGeom>
+          <a:noFill/>
+          <a:ln cap="flat" w="9525">
+            <a:solidFill>
+              <a:srgbClr val="000000"/>
+            </a:solidFill>
+            <a:prstDash val="solid"/>
+            <a:round/>
+            <a:headEnd len="med" w="med" type="none"/>
+            <a:tailEnd len="med" w="med" type="none"/>
+          </a:ln>
+        </p:spPr>
+      </p:sp>
+      <p:sp>
+        <p:nvSpPr>
           <p:cNvPr id="52" name="Shape 52"/>
+          <p:cNvSpPr txBox="1"/>
+          <p:nvPr>
+            <p:ph idx="1" type="body"/>
+          </p:nvPr>
+        </p:nvSpPr>
+        <p:spPr>
+          <a:xfrm>
+            <a:off x="685800" y="4343400"/>
+            <a:ext cx="5486399" cy="4114800"/>
+          </a:xfrm>
+          <a:prstGeom prst="rect">
+            <a:avLst/>
+          </a:prstGeom>
+        </p:spPr>
+        <p:txBody>
+          <a:bodyPr anchorCtr="0" anchor="t" bIns="91425" lIns="91425" rIns="91425" tIns="91425">
+            <a:noAutofit/>
+          </a:bodyPr>
+          <a:lstStyle/>
+          <a:p>
+            <a:pPr>
+              <a:spcBef>
+                <a:spcPts val="0"/>
+              </a:spcBef>
+              <a:buNone/>
+            </a:pPr>
+            <a:r>
+              <a:t/>
+            </a:r>
+            <a:endParaRPr/>
+          </a:p>
+        </p:txBody>
+      </p:sp>
+    </p:spTree>
+  </p:cSld>
+  <p:clrMapOvr>
+    <a:masterClrMapping/>
+  </p:clrMapOvr>
+</p:notes>
+</file>
+
+<file path=ppt/notesSlides/notesSlide50.xml><?xml version="1.0" encoding="utf-8"?>
+<p:notes xmlns:a="http://schemas.openxmlformats.org/drawingml/2006/main" xmlns:r="http://schemas.openxmlformats.org/officeDocument/2006/relationships" xmlns:mc="http://schemas.openxmlformats.org/markup-compatibility/2006" xmlns:mv="urn:schemas-microsoft-com:mac:vml" xmlns:p="http://schemas.openxmlformats.org/presentationml/2006/main" xmlns:c="http://schemas.openxmlformats.org/drawingml/2006/chart" xmlns:dgm="http://schemas.openxmlformats.org/drawingml/2006/diagram" xmlns:o="urn:schemas-microsoft-com:office:office" xmlns:v="urn:schemas-microsoft-com:vml" xmlns:pvml="urn:schemas-microsoft-com:office:powerpoint" xmlns:com="http://schemas.openxmlformats.org/drawingml/2006/compatibility" xmlns:p14="http://schemas.microsoft.com/office/powerpoint/2010/main" showMasterPhAnim="0" showMasterSp="0">
+  <p:cSld>
+    <p:spTree>
+      <p:nvGrpSpPr>
+        <p:cNvPr id="326" name="Shape 326"/>
+        <p:cNvGrpSpPr/>
+        <p:nvPr/>
+      </p:nvGrpSpPr>
+      <p:grpSpPr>
+        <a:xfrm>
+          <a:off x="0" y="0"/>
+          <a:ext cx="0" cy="0"/>
+          <a:chOff x="0" y="0"/>
+          <a:chExt cx="0" cy="0"/>
+        </a:xfrm>
+      </p:grpSpPr>
+      <p:sp>
+        <p:nvSpPr>
+          <p:cNvPr id="327" name="Shape 327"/>
+          <p:cNvSpPr/>
+          <p:nvPr>
+            <p:ph idx="2" type="sldImg"/>
+          </p:nvPr>
+        </p:nvSpPr>
+        <p:spPr>
+          <a:xfrm>
+            <a:off x="381187" y="685800"/>
+            <a:ext cx="6096299" cy="3429000"/>
+          </a:xfrm>
+          <a:custGeom>
+            <a:pathLst>
+              <a:path extrusionOk="0" h="120000" w="120000">
+                <a:moveTo>
+                  <a:pt x="0" y="0"/>
+                </a:moveTo>
+                <a:lnTo>
+                  <a:pt x="120000" y="0"/>
+                </a:lnTo>
+                <a:lnTo>
+                  <a:pt x="120000" y="120000"/>
+                </a:lnTo>
+                <a:lnTo>
+                  <a:pt x="0" y="120000"/>
+                </a:lnTo>
+                <a:close/>
+              </a:path>
+            </a:pathLst>
+          </a:custGeom>
+          <a:noFill/>
+          <a:ln cap="flat" w="9525">
+            <a:solidFill>
+              <a:srgbClr val="000000"/>
+            </a:solidFill>
+            <a:prstDash val="solid"/>
+            <a:round/>
+            <a:headEnd len="med" w="med" type="none"/>
+            <a:tailEnd len="med" w="med" type="none"/>
+          </a:ln>
+        </p:spPr>
+      </p:sp>
+      <p:sp>
+        <p:nvSpPr>
+          <p:cNvPr id="328" name="Shape 328"/>
+          <p:cNvSpPr txBox="1"/>
+          <p:nvPr>
+            <p:ph idx="1" type="body"/>
+          </p:nvPr>
+        </p:nvSpPr>
+        <p:spPr>
+          <a:xfrm>
+            <a:off x="685800" y="4343400"/>
+            <a:ext cx="5486399" cy="4114800"/>
+          </a:xfrm>
+          <a:prstGeom prst="rect">
+            <a:avLst/>
+          </a:prstGeom>
+        </p:spPr>
+        <p:txBody>
+          <a:bodyPr anchorCtr="0" anchor="t" bIns="91425" lIns="91425" rIns="91425" tIns="91425">
+            <a:noAutofit/>
+          </a:bodyPr>
+          <a:lstStyle/>
+          <a:p>
+            <a:pPr>
+              <a:spcBef>
+                <a:spcPts val="0"/>
+              </a:spcBef>
+              <a:buNone/>
+            </a:pPr>
+            <a:r>
+              <a:t/>
+            </a:r>
+            <a:endParaRPr/>
+          </a:p>
+        </p:txBody>
+      </p:sp>
+    </p:spTree>
+  </p:cSld>
+  <p:clrMapOvr>
+    <a:masterClrMapping/>
+  </p:clrMapOvr>
+</p:notes>
+</file>
+
+<file path=ppt/notesSlides/notesSlide51.xml><?xml version="1.0" encoding="utf-8"?>
+<p:notes xmlns:a="http://schemas.openxmlformats.org/drawingml/2006/main" xmlns:r="http://schemas.openxmlformats.org/officeDocument/2006/relationships" xmlns:mc="http://schemas.openxmlformats.org/markup-compatibility/2006" xmlns:mv="urn:schemas-microsoft-com:mac:vml" xmlns:p="http://schemas.openxmlformats.org/presentationml/2006/main" xmlns:c="http://schemas.openxmlformats.org/drawingml/2006/chart" xmlns:dgm="http://schemas.openxmlformats.org/drawingml/2006/diagram" xmlns:o="urn:schemas-microsoft-com:office:office" xmlns:v="urn:schemas-microsoft-com:vml" xmlns:pvml="urn:schemas-microsoft-com:office:powerpoint" xmlns:com="http://schemas.openxmlformats.org/drawingml/2006/compatibility" xmlns:p14="http://schemas.microsoft.com/office/powerpoint/2010/main" showMasterPhAnim="0" showMasterSp="0">
+  <p:cSld>
+    <p:spTree>
+      <p:nvGrpSpPr>
+        <p:cNvPr id="332" name="Shape 332"/>
+        <p:cNvGrpSpPr/>
+        <p:nvPr/>
+      </p:nvGrpSpPr>
+      <p:grpSpPr>
+        <a:xfrm>
+          <a:off x="0" y="0"/>
+          <a:ext cx="0" cy="0"/>
+          <a:chOff x="0" y="0"/>
+          <a:chExt cx="0" cy="0"/>
+        </a:xfrm>
+      </p:grpSpPr>
+      <p:sp>
+        <p:nvSpPr>
+          <p:cNvPr id="333" name="Shape 333"/>
+          <p:cNvSpPr/>
+          <p:nvPr>
+            <p:ph idx="2" type="sldImg"/>
+          </p:nvPr>
+        </p:nvSpPr>
+        <p:spPr>
+          <a:xfrm>
+            <a:off x="381187" y="685800"/>
+            <a:ext cx="6096299" cy="3429000"/>
+          </a:xfrm>
+          <a:custGeom>
+            <a:pathLst>
+              <a:path extrusionOk="0" h="120000" w="120000">
+                <a:moveTo>
+                  <a:pt x="0" y="0"/>
+                </a:moveTo>
+                <a:lnTo>
+                  <a:pt x="120000" y="0"/>
+                </a:lnTo>
+                <a:lnTo>
+                  <a:pt x="120000" y="120000"/>
+                </a:lnTo>
+                <a:lnTo>
+                  <a:pt x="0" y="120000"/>
+                </a:lnTo>
+                <a:close/>
+              </a:path>
+            </a:pathLst>
+          </a:custGeom>
+          <a:noFill/>
+          <a:ln cap="flat" w="9525">
+            <a:solidFill>
+              <a:srgbClr val="000000"/>
+            </a:solidFill>
+            <a:prstDash val="solid"/>
+            <a:round/>
+            <a:headEnd len="med" w="med" type="none"/>
+            <a:tailEnd len="med" w="med" type="none"/>
+          </a:ln>
+        </p:spPr>
+      </p:sp>
+      <p:sp>
+        <p:nvSpPr>
+          <p:cNvPr id="334" name="Shape 334"/>
+          <p:cNvSpPr txBox="1"/>
+          <p:nvPr>
+            <p:ph idx="1" type="body"/>
+          </p:nvPr>
+        </p:nvSpPr>
+        <p:spPr>
+          <a:xfrm>
+            <a:off x="685800" y="4343400"/>
+            <a:ext cx="5486399" cy="4114800"/>
+          </a:xfrm>
+          <a:prstGeom prst="rect">
+            <a:avLst/>
+          </a:prstGeom>
+        </p:spPr>
+        <p:txBody>
+          <a:bodyPr anchorCtr="0" anchor="t" bIns="91425" lIns="91425" rIns="91425" tIns="91425">
+            <a:noAutofit/>
+          </a:bodyPr>
+          <a:lstStyle/>
+          <a:p>
+            <a:pPr>
+              <a:spcBef>
+                <a:spcPts val="0"/>
+              </a:spcBef>
+              <a:buNone/>
+            </a:pPr>
+            <a:r>
+              <a:t/>
+            </a:r>
+            <a:endParaRPr/>
+          </a:p>
+        </p:txBody>
+      </p:sp>
+    </p:spTree>
+  </p:cSld>
+  <p:clrMapOvr>
+    <a:masterClrMapping/>
+  </p:clrMapOvr>
+</p:notes>
+</file>
+
+<file path=ppt/notesSlides/notesSlide52.xml><?xml version="1.0" encoding="utf-8"?>
+<p:notes xmlns:a="http://schemas.openxmlformats.org/drawingml/2006/main" xmlns:r="http://schemas.openxmlformats.org/officeDocument/2006/relationships" xmlns:mc="http://schemas.openxmlformats.org/markup-compatibility/2006" xmlns:mv="urn:schemas-microsoft-com:mac:vml" xmlns:p="http://schemas.openxmlformats.org/presentationml/2006/main" xmlns:c="http://schemas.openxmlformats.org/drawingml/2006/chart" xmlns:dgm="http://schemas.openxmlformats.org/drawingml/2006/diagram" xmlns:o="urn:schemas-microsoft-com:office:office" xmlns:v="urn:schemas-microsoft-com:vml" xmlns:pvml="urn:schemas-microsoft-com:office:powerpoint" xmlns:com="http://schemas.openxmlformats.org/drawingml/2006/compatibility" xmlns:p14="http://schemas.microsoft.com/office/powerpoint/2010/main" showMasterPhAnim="0" showMasterSp="0">
+  <p:cSld>
+    <p:spTree>
+      <p:nvGrpSpPr>
+        <p:cNvPr id="338" name="Shape 338"/>
+        <p:cNvGrpSpPr/>
+        <p:nvPr/>
+      </p:nvGrpSpPr>
+      <p:grpSpPr>
+        <a:xfrm>
+          <a:off x="0" y="0"/>
+          <a:ext cx="0" cy="0"/>
+          <a:chOff x="0" y="0"/>
+          <a:chExt cx="0" cy="0"/>
+        </a:xfrm>
+      </p:grpSpPr>
+      <p:sp>
+        <p:nvSpPr>
+          <p:cNvPr id="339" name="Shape 339"/>
+          <p:cNvSpPr/>
+          <p:nvPr>
+            <p:ph idx="2" type="sldImg"/>
+          </p:nvPr>
+        </p:nvSpPr>
+        <p:spPr>
+          <a:xfrm>
+            <a:off x="381187" y="685800"/>
+            <a:ext cx="6096299" cy="3429000"/>
+          </a:xfrm>
+          <a:custGeom>
+            <a:pathLst>
+              <a:path extrusionOk="0" h="120000" w="120000">
+                <a:moveTo>
+                  <a:pt x="0" y="0"/>
+                </a:moveTo>
+                <a:lnTo>
+                  <a:pt x="120000" y="0"/>
+                </a:lnTo>
+                <a:lnTo>
+                  <a:pt x="120000" y="120000"/>
+                </a:lnTo>
+                <a:lnTo>
+                  <a:pt x="0" y="120000"/>
+                </a:lnTo>
+                <a:close/>
+              </a:path>
+            </a:pathLst>
+          </a:custGeom>
+          <a:noFill/>
+          <a:ln cap="flat" w="9525">
+            <a:solidFill>
+              <a:srgbClr val="000000"/>
+            </a:solidFill>
+            <a:prstDash val="solid"/>
+            <a:round/>
+            <a:headEnd len="med" w="med" type="none"/>
+            <a:tailEnd len="med" w="med" type="none"/>
+          </a:ln>
+        </p:spPr>
+      </p:sp>
+      <p:sp>
+        <p:nvSpPr>
+          <p:cNvPr id="340" name="Shape 340"/>
+          <p:cNvSpPr txBox="1"/>
+          <p:nvPr>
+            <p:ph idx="1" type="body"/>
+          </p:nvPr>
+        </p:nvSpPr>
+        <p:spPr>
+          <a:xfrm>
+            <a:off x="685800" y="4343400"/>
+            <a:ext cx="5486399" cy="4114800"/>
+          </a:xfrm>
+          <a:prstGeom prst="rect">
+            <a:avLst/>
+          </a:prstGeom>
+        </p:spPr>
+        <p:txBody>
+          <a:bodyPr anchorCtr="0" anchor="t" bIns="91425" lIns="91425" rIns="91425" tIns="91425">
+            <a:noAutofit/>
+          </a:bodyPr>
+          <a:lstStyle/>
+          <a:p>
+            <a:pPr>
+              <a:spcBef>
+                <a:spcPts val="0"/>
+              </a:spcBef>
+              <a:buNone/>
+            </a:pPr>
+            <a:r>
+              <a:t/>
+            </a:r>
+            <a:endParaRPr/>
+          </a:p>
+        </p:txBody>
+      </p:sp>
+    </p:spTree>
+  </p:cSld>
+  <p:clrMapOvr>
+    <a:masterClrMapping/>
+  </p:clrMapOvr>
+</p:notes>
+</file>
+
+<file path=ppt/notesSlides/notesSlide53.xml><?xml version="1.0" encoding="utf-8"?>
+<p:notes xmlns:a="http://schemas.openxmlformats.org/drawingml/2006/main" xmlns:r="http://schemas.openxmlformats.org/officeDocument/2006/relationships" xmlns:mc="http://schemas.openxmlformats.org/markup-compatibility/2006" xmlns:mv="urn:schemas-microsoft-com:mac:vml" xmlns:p="http://schemas.openxmlformats.org/presentationml/2006/main" xmlns:c="http://schemas.openxmlformats.org/drawingml/2006/chart" xmlns:dgm="http://schemas.openxmlformats.org/drawingml/2006/diagram" xmlns:o="urn:schemas-microsoft-com:office:office" xmlns:v="urn:schemas-microsoft-com:vml" xmlns:pvml="urn:schemas-microsoft-com:office:powerpoint" xmlns:com="http://schemas.openxmlformats.org/drawingml/2006/compatibility" xmlns:p14="http://schemas.microsoft.com/office/powerpoint/2010/main" showMasterPhAnim="0" showMasterSp="0">
+  <p:cSld>
+    <p:spTree>
+      <p:nvGrpSpPr>
+        <p:cNvPr id="344" name="Shape 344"/>
+        <p:cNvGrpSpPr/>
+        <p:nvPr/>
+      </p:nvGrpSpPr>
+      <p:grpSpPr>
+        <a:xfrm>
+          <a:off x="0" y="0"/>
+          <a:ext cx="0" cy="0"/>
+          <a:chOff x="0" y="0"/>
+          <a:chExt cx="0" cy="0"/>
+        </a:xfrm>
+      </p:grpSpPr>
+      <p:sp>
+        <p:nvSpPr>
+          <p:cNvPr id="345" name="Shape 345"/>
+          <p:cNvSpPr/>
+          <p:nvPr>
+            <p:ph idx="2" type="sldImg"/>
+          </p:nvPr>
+        </p:nvSpPr>
+        <p:spPr>
+          <a:xfrm>
+            <a:off x="381187" y="685800"/>
+            <a:ext cx="6096299" cy="3429000"/>
+          </a:xfrm>
+          <a:custGeom>
+            <a:pathLst>
+              <a:path extrusionOk="0" h="120000" w="120000">
+                <a:moveTo>
+                  <a:pt x="0" y="0"/>
+                </a:moveTo>
+                <a:lnTo>
+                  <a:pt x="120000" y="0"/>
+                </a:lnTo>
+                <a:lnTo>
+                  <a:pt x="120000" y="120000"/>
+                </a:lnTo>
+                <a:lnTo>
+                  <a:pt x="0" y="120000"/>
+                </a:lnTo>
+                <a:close/>
+              </a:path>
+            </a:pathLst>
+          </a:custGeom>
+          <a:noFill/>
+          <a:ln cap="flat" w="9525">
+            <a:solidFill>
+              <a:srgbClr val="000000"/>
+            </a:solidFill>
+            <a:prstDash val="solid"/>
+            <a:round/>
+            <a:headEnd len="med" w="med" type="none"/>
+            <a:tailEnd len="med" w="med" type="none"/>
+          </a:ln>
+        </p:spPr>
+      </p:sp>
+      <p:sp>
+        <p:nvSpPr>
+          <p:cNvPr id="346" name="Shape 346"/>
+          <p:cNvSpPr txBox="1"/>
+          <p:nvPr>
+            <p:ph idx="1" type="body"/>
+          </p:nvPr>
+        </p:nvSpPr>
+        <p:spPr>
+          <a:xfrm>
+            <a:off x="685800" y="4343400"/>
+            <a:ext cx="5486399" cy="4114800"/>
+          </a:xfrm>
+          <a:prstGeom prst="rect">
+            <a:avLst/>
+          </a:prstGeom>
+        </p:spPr>
+        <p:txBody>
+          <a:bodyPr anchorCtr="0" anchor="t" bIns="91425" lIns="91425" rIns="91425" tIns="91425">
+            <a:noAutofit/>
+          </a:bodyPr>
+          <a:lstStyle/>
+          <a:p>
+            <a:pPr>
+              <a:spcBef>
+                <a:spcPts val="0"/>
+              </a:spcBef>
+              <a:buNone/>
+            </a:pPr>
+            <a:r>
+              <a:t/>
+            </a:r>
+            <a:endParaRPr/>
+          </a:p>
+        </p:txBody>
+      </p:sp>
+    </p:spTree>
+  </p:cSld>
+  <p:clrMapOvr>
+    <a:masterClrMapping/>
+  </p:clrMapOvr>
+</p:notes>
+</file>
+
+<file path=ppt/notesSlides/notesSlide54.xml><?xml version="1.0" encoding="utf-8"?>
+<p:notes xmlns:a="http://schemas.openxmlformats.org/drawingml/2006/main" xmlns:r="http://schemas.openxmlformats.org/officeDocument/2006/relationships" xmlns:mc="http://schemas.openxmlformats.org/markup-compatibility/2006" xmlns:mv="urn:schemas-microsoft-com:mac:vml" xmlns:p="http://schemas.openxmlformats.org/presentationml/2006/main" xmlns:c="http://schemas.openxmlformats.org/drawingml/2006/chart" xmlns:dgm="http://schemas.openxmlformats.org/drawingml/2006/diagram" xmlns:o="urn:schemas-microsoft-com:office:office" xmlns:v="urn:schemas-microsoft-com:vml" xmlns:pvml="urn:schemas-microsoft-com:office:powerpoint" xmlns:com="http://schemas.openxmlformats.org/drawingml/2006/compatibility" xmlns:p14="http://schemas.microsoft.com/office/powerpoint/2010/main" showMasterPhAnim="0" showMasterSp="0">
+  <p:cSld>
+    <p:spTree>
+      <p:nvGrpSpPr>
+        <p:cNvPr id="351" name="Shape 351"/>
+        <p:cNvGrpSpPr/>
+        <p:nvPr/>
+      </p:nvGrpSpPr>
+      <p:grpSpPr>
+        <a:xfrm>
+          <a:off x="0" y="0"/>
+          <a:ext cx="0" cy="0"/>
+          <a:chOff x="0" y="0"/>
+          <a:chExt cx="0" cy="0"/>
+        </a:xfrm>
+      </p:grpSpPr>
+      <p:sp>
+        <p:nvSpPr>
+          <p:cNvPr id="352" name="Shape 352"/>
+          <p:cNvSpPr/>
+          <p:nvPr>
+            <p:ph idx="2" type="sldImg"/>
+          </p:nvPr>
+        </p:nvSpPr>
+        <p:spPr>
+          <a:xfrm>
+            <a:off x="381187" y="685800"/>
+            <a:ext cx="6096299" cy="3429000"/>
+          </a:xfrm>
+          <a:custGeom>
+            <a:pathLst>
+              <a:path extrusionOk="0" h="120000" w="120000">
+                <a:moveTo>
+                  <a:pt x="0" y="0"/>
+                </a:moveTo>
+                <a:lnTo>
+                  <a:pt x="120000" y="0"/>
+                </a:lnTo>
+                <a:lnTo>
+                  <a:pt x="120000" y="120000"/>
+                </a:lnTo>
+                <a:lnTo>
+                  <a:pt x="0" y="120000"/>
+                </a:lnTo>
+                <a:close/>
+              </a:path>
+            </a:pathLst>
+          </a:custGeom>
+          <a:noFill/>
+          <a:ln cap="flat" w="9525">
+            <a:solidFill>
+              <a:srgbClr val="000000"/>
+            </a:solidFill>
+            <a:prstDash val="solid"/>
+            <a:round/>
+            <a:headEnd len="med" w="med" type="none"/>
+            <a:tailEnd len="med" w="med" type="none"/>
+          </a:ln>
+        </p:spPr>
+      </p:sp>
+      <p:sp>
+        <p:nvSpPr>
+          <p:cNvPr id="353" name="Shape 353"/>
           <p:cNvSpPr txBox="1"/>
           <p:nvPr>
             <p:ph idx="1" type="body"/>
@@ -8037,7 +8779,7 @@
             </a:pPr>
             <a:r>
               <a:rPr lang="en"/>
-              <a:t>JUnit (-&gt; xUnit -&gt; cUnit, phpUnit, NUnit), TestNG</a:t>
+              <a:t>JUnit (xUnit, cUnit, phpUnit, NUnit), TestNG</a:t>
             </a:r>
           </a:p>
           <a:p>
@@ -8920,7 +9662,7 @@
           </a:bodyPr>
           <a:lstStyle/>
           <a:p>
-            <a:pPr>
+            <a:pPr lvl="0" rtl="0">
               <a:spcBef>
                 <a:spcPts val="0"/>
               </a:spcBef>
@@ -8928,7 +9670,7 @@
             </a:pPr>
             <a:r>
               <a:rPr lang="en"/>
-              <a:t>Проверки</a:t>
+              <a:t>Именование тестов</a:t>
             </a:r>
           </a:p>
         </p:txBody>
@@ -8963,13 +9705,13 @@
               <a:buClr>
                 <a:schemeClr val="dk1"/>
               </a:buClr>
-              <a:buSzPct val="45833"/>
+              <a:buSzPct val="61111"/>
               <a:buFont typeface="Arial"/>
               <a:buNone/>
             </a:pPr>
             <a:r>
-              <a:rPr lang="en" sz="2400"/>
-              <a:t>assertTrue, assertFalse</a:t>
+              <a:rPr lang="en" sz="1800"/>
+              <a:t>class HtmlLinkRewriterTest ... {</a:t>
             </a:r>
           </a:p>
           <a:p>
@@ -8980,13 +9722,13 @@
               <a:buClr>
                 <a:schemeClr val="dk1"/>
               </a:buClr>
-              <a:buSzPct val="45833"/>
+              <a:buSzPct val="61111"/>
               <a:buFont typeface="Arial"/>
               <a:buNone/>
             </a:pPr>
             <a:r>
-              <a:rPr lang="en" sz="2400"/>
-              <a:t>assertEquals, assertArrayEquals, assertNotEquals</a:t>
+              <a:rPr lang="en" sz="1800"/>
+              <a:t> void testAppendsAdditionalParameterToUrlsInHrefAttributes(){…}</a:t>
             </a:r>
           </a:p>
           <a:p>
@@ -8997,25 +9739,13 @@
               <a:buClr>
                 <a:schemeClr val="dk1"/>
               </a:buClr>
-              <a:buSzPct val="45833"/>
+              <a:buSzPct val="61111"/>
               <a:buFont typeface="Arial"/>
               <a:buNone/>
             </a:pPr>
             <a:r>
-              <a:rPr lang="en" sz="2400"/>
-              <a:t>assertSame, assertNotSame</a:t>
-            </a:r>
-          </a:p>
-          <a:p>
-            <a:pPr lvl="0" rtl="0">
-              <a:spcBef>
-                <a:spcPts val="0"/>
-              </a:spcBef>
-              <a:buNone/>
-            </a:pPr>
-            <a:r>
-              <a:rPr lang="en" sz="2400"/>
-              <a:t>fail</a:t>
+              <a:rPr lang="en" sz="1800"/>
+              <a:t> void testDoesNotRewriteImageOrJavascriptLinks(){…}</a:t>
             </a:r>
           </a:p>
           <a:p>
@@ -9026,26 +9756,76 @@
               <a:buClr>
                 <a:schemeClr val="dk1"/>
               </a:buClr>
-              <a:buSzPct val="45833"/>
+              <a:buSzPct val="61111"/>
               <a:buFont typeface="Arial"/>
               <a:buNone/>
             </a:pPr>
             <a:r>
-              <a:rPr lang="en" sz="2400"/>
-              <a:t>Варианты с текстом ошибки и без</a:t>
-            </a:r>
-          </a:p>
-          <a:p>
-            <a:pPr>
-              <a:spcBef>
-                <a:spcPts val="0"/>
-              </a:spcBef>
+              <a:rPr lang="en" sz="1800"/>
+              <a:t> void testThrowsExceptionIfHrefContainsSessionId(){…}</a:t>
+            </a:r>
+          </a:p>
+          <a:p>
+            <a:pPr lvl="0" rtl="0">
+              <a:spcBef>
+                <a:spcPts val="0"/>
+              </a:spcBef>
+              <a:buClr>
+                <a:schemeClr val="dk1"/>
+              </a:buClr>
+              <a:buSzPct val="61111"/>
+              <a:buFont typeface="Arial"/>
+              <a:buNone/>
+            </a:pPr>
+            <a:r>
+              <a:rPr lang="en" sz="1800"/>
+              <a:t> void testEncodesParameterValue(){…}</a:t>
+            </a:r>
+          </a:p>
+          <a:p>
+            <a:pPr lvl="0" rtl="0">
+              <a:spcBef>
+                <a:spcPts val="0"/>
+              </a:spcBef>
+              <a:buClr>
+                <a:schemeClr val="dk1"/>
+              </a:buClr>
+              <a:buSzPct val="61111"/>
+              <a:buFont typeface="Arial"/>
+              <a:buNone/>
+            </a:pPr>
+            <a:r>
+              <a:rPr lang="en" sz="1800"/>
+              <a:t> }</a:t>
+            </a:r>
+          </a:p>
+          <a:p>
+            <a:pPr lvl="0" rtl="0">
+              <a:spcBef>
+                <a:spcPts val="0"/>
+              </a:spcBef>
+              <a:buClr>
+                <a:schemeClr val="dk1"/>
+              </a:buClr>
+              <a:buFont typeface="Arial"/>
               <a:buNone/>
             </a:pPr>
             <a:r>
               <a:t/>
             </a:r>
-            <a:endParaRPr sz="2400"/>
+            <a:endParaRPr sz="1800"/>
+          </a:p>
+          <a:p>
+            <a:pPr lvl="0" rtl="0">
+              <a:spcBef>
+                <a:spcPts val="0"/>
+              </a:spcBef>
+              <a:buNone/>
+            </a:pPr>
+            <a:r>
+              <a:t/>
+            </a:r>
+            <a:endParaRPr sz="1800"/>
           </a:p>
         </p:txBody>
       </p:sp>
@@ -9256,7 +10036,7 @@
           </a:bodyPr>
           <a:lstStyle/>
           <a:p>
-            <a:pPr>
+            <a:pPr lvl="0" rtl="0">
               <a:spcBef>
                 <a:spcPts val="0"/>
               </a:spcBef>
@@ -9264,7 +10044,7 @@
             </a:pPr>
             <a:r>
               <a:rPr lang="en"/>
-              <a:t>Проверки</a:t>
+              <a:t>Именование тестов</a:t>
             </a:r>
           </a:p>
         </p:txBody>
@@ -9291,39 +10071,6 @@
             <a:noAutofit/>
           </a:bodyPr>
           <a:lstStyle/>
-          <a:p>
-            <a:pPr lvl="0" rtl="0">
-              <a:spcBef>
-                <a:spcPts val="0"/>
-              </a:spcBef>
-              <a:buClr>
-                <a:schemeClr val="dk1"/>
-              </a:buClr>
-              <a:buSzPct val="36666"/>
-              <a:buFont typeface="Arial"/>
-              <a:buNone/>
-            </a:pPr>
-            <a:r>
-              <a:rPr lang="en"/>
-              <a:t>Встроенный assert</a:t>
-            </a:r>
-          </a:p>
-          <a:p>
-            <a:pPr lvl="0" rtl="0">
-              <a:spcBef>
-                <a:spcPts val="0"/>
-              </a:spcBef>
-              <a:buClr>
-                <a:schemeClr val="dk1"/>
-              </a:buClr>
-              <a:buFont typeface="Arial"/>
-              <a:buNone/>
-            </a:pPr>
-            <a:r>
-              <a:t/>
-            </a:r>
-            <a:endParaRPr sz="1000"/>
-          </a:p>
           <a:p>
             <a:pPr lvl="0" rtl="0">
               <a:spcBef>
@@ -9337,8 +10084,8 @@
               <a:buNone/>
             </a:pPr>
             <a:r>
-              <a:rPr b="1" lang="en" sz="2400"/>
-              <a:t>assert "llo".equals("Hello". substring (3));</a:t>
+              <a:rPr lang="en" sz="2400"/>
+              <a:t>HtmlLinkRewriter appends additional parameter to URLs in href attributes.</a:t>
             </a:r>
           </a:p>
           <a:p>
@@ -9354,25 +10101,9 @@
               <a:buNone/>
             </a:pPr>
             <a:r>
-              <a:rPr b="1" lang="en" sz="2400"/>
-              <a:t>assert 1 == 1 : "Arithmetics broken";</a:t>
-            </a:r>
-          </a:p>
-          <a:p>
-            <a:pPr lvl="0" rtl="0">
-              <a:spcBef>
-                <a:spcPts val="0"/>
-              </a:spcBef>
-              <a:buClr>
-                <a:schemeClr val="dk1"/>
-              </a:buClr>
-              <a:buFont typeface="Arial"/>
-              <a:buNone/>
-            </a:pPr>
-            <a:r>
-              <a:t/>
-            </a:r>
-            <a:endParaRPr sz="1000"/>
+              <a:rPr lang="en" sz="2400"/>
+              <a:t>HtmlLinkRewriter does not rewrite image or JavaScript links.</a:t>
+            </a:r>
           </a:p>
           <a:p>
             <a:pPr lvl="0" rtl="0">
@@ -9388,7 +10119,7 @@
             </a:pPr>
             <a:r>
               <a:rPr lang="en" sz="2400"/>
-              <a:t>Поддерживаются только булевские условия</a:t>
+              <a:t>HtmlLinkRewriter throws exception if href contains session ID.</a:t>
             </a:r>
           </a:p>
           <a:p>
@@ -9405,37 +10136,8 @@
             </a:pPr>
             <a:r>
               <a:rPr lang="en" sz="2400"/>
-              <a:t>В исключении нет описания проблемы</a:t>
-            </a:r>
-          </a:p>
-          <a:p>
-            <a:pPr lvl="0" rtl="0">
-              <a:spcBef>
-                <a:spcPts val="0"/>
-              </a:spcBef>
-              <a:buClr>
-                <a:schemeClr val="dk1"/>
-              </a:buClr>
-              <a:buSzPct val="45833"/>
-              <a:buFont typeface="Arial"/>
-              <a:buNone/>
-            </a:pPr>
-            <a:r>
-              <a:rPr lang="en" sz="2400"/>
-              <a:t>Надо включать флагом JVM -ea</a:t>
-            </a:r>
-          </a:p>
-          <a:p>
-            <a:pPr>
-              <a:spcBef>
-                <a:spcPts val="0"/>
-              </a:spcBef>
-              <a:buNone/>
-            </a:pPr>
-            <a:r>
-              <a:t/>
-            </a:r>
-            <a:endParaRPr/>
+              <a:t>HtmlLinkRewriter encodes parameter value. </a:t>
+            </a:r>
           </a:p>
         </p:txBody>
       </p:sp>
@@ -9498,7 +10200,7 @@
             </a:pPr>
             <a:r>
               <a:rPr lang="en"/>
-              <a:t>Структура теста</a:t>
+              <a:t>Проверки</a:t>
             </a:r>
           </a:p>
         </p:txBody>
@@ -9530,72 +10232,92 @@
               <a:spcBef>
                 <a:spcPts val="0"/>
               </a:spcBef>
+              <a:buClr>
+                <a:schemeClr val="dk1"/>
+              </a:buClr>
+              <a:buSzPct val="45833"/>
+              <a:buFont typeface="Arial"/>
+              <a:buNone/>
+            </a:pPr>
+            <a:r>
+              <a:rPr lang="en" sz="2400"/>
+              <a:t>assertTrue, assertFalse</a:t>
+            </a:r>
+          </a:p>
+          <a:p>
+            <a:pPr lvl="0" rtl="0">
+              <a:spcBef>
+                <a:spcPts val="0"/>
+              </a:spcBef>
+              <a:buClr>
+                <a:schemeClr val="dk1"/>
+              </a:buClr>
+              <a:buSzPct val="45833"/>
+              <a:buFont typeface="Arial"/>
+              <a:buNone/>
+            </a:pPr>
+            <a:r>
+              <a:rPr lang="en" sz="2400"/>
+              <a:t>assertEquals, assertArrayEquals, assertNotEquals</a:t>
+            </a:r>
+          </a:p>
+          <a:p>
+            <a:pPr lvl="0" rtl="0">
+              <a:spcBef>
+                <a:spcPts val="0"/>
+              </a:spcBef>
+              <a:buClr>
+                <a:schemeClr val="dk1"/>
+              </a:buClr>
+              <a:buSzPct val="45833"/>
+              <a:buFont typeface="Arial"/>
+              <a:buNone/>
+            </a:pPr>
+            <a:r>
+              <a:rPr lang="en" sz="2400"/>
+              <a:t>assertSame, assertNotSame</a:t>
+            </a:r>
+          </a:p>
+          <a:p>
+            <a:pPr lvl="0" rtl="0">
+              <a:spcBef>
+                <a:spcPts val="0"/>
+              </a:spcBef>
+              <a:buNone/>
+            </a:pPr>
+            <a:r>
+              <a:rPr lang="en" sz="2400"/>
+              <a:t>fail</a:t>
+            </a:r>
+          </a:p>
+          <a:p>
+            <a:pPr lvl="0" rtl="0">
+              <a:spcBef>
+                <a:spcPts val="0"/>
+              </a:spcBef>
+              <a:buClr>
+                <a:schemeClr val="dk1"/>
+              </a:buClr>
+              <a:buSzPct val="45833"/>
+              <a:buFont typeface="Arial"/>
+              <a:buNone/>
+            </a:pPr>
+            <a:r>
+              <a:rPr lang="en" sz="2400"/>
+              <a:t>Варианты с текстом ошибки и без</a:t>
+            </a:r>
+          </a:p>
+          <a:p>
+            <a:pPr>
+              <a:spcBef>
+                <a:spcPts val="0"/>
+              </a:spcBef>
               <a:buNone/>
             </a:pPr>
             <a:r>
               <a:t/>
             </a:r>
-            <a:endParaRPr/>
-          </a:p>
-          <a:p>
-            <a:pPr lvl="0" rtl="0">
-              <a:spcBef>
-                <a:spcPts val="0"/>
-              </a:spcBef>
-              <a:buNone/>
-            </a:pPr>
-            <a:r>
-              <a:rPr lang="en"/>
-              <a:t>(Given) Подготовка тестового окружения</a:t>
-            </a:r>
-          </a:p>
-          <a:p>
-            <a:pPr lvl="0" rtl="0">
-              <a:spcBef>
-                <a:spcPts val="0"/>
-              </a:spcBef>
-              <a:buNone/>
-            </a:pPr>
-            <a:r>
-              <a:t/>
-            </a:r>
-            <a:endParaRPr/>
-          </a:p>
-          <a:p>
-            <a:pPr lvl="0" rtl="0">
-              <a:spcBef>
-                <a:spcPts val="0"/>
-              </a:spcBef>
-              <a:buNone/>
-            </a:pPr>
-            <a:r>
-              <a:rPr lang="en"/>
-              <a:t>(When) Выполнение тестового сценария</a:t>
-            </a:r>
-          </a:p>
-          <a:p>
-            <a:pPr lvl="0" rtl="0">
-              <a:spcBef>
-                <a:spcPts val="0"/>
-              </a:spcBef>
-              <a:buNone/>
-            </a:pPr>
-            <a:r>
-              <a:t/>
-            </a:r>
-            <a:endParaRPr/>
-          </a:p>
-          <a:p>
-            <a:pPr lvl="0">
-              <a:spcBef>
-                <a:spcPts val="0"/>
-              </a:spcBef>
-              <a:buNone/>
-            </a:pPr>
-            <a:r>
-              <a:rPr lang="en"/>
-              <a:t>(Then) Проверки</a:t>
-            </a:r>
+            <a:endParaRPr sz="2400"/>
           </a:p>
         </p:txBody>
       </p:sp>
@@ -9658,7 +10380,7 @@
             </a:pPr>
             <a:r>
               <a:rPr lang="en"/>
-              <a:t>Жизненный цикл теста</a:t>
+              <a:t>Проверки</a:t>
             </a:r>
           </a:p>
         </p:txBody>
@@ -9685,6 +10407,39 @@
             <a:noAutofit/>
           </a:bodyPr>
           <a:lstStyle/>
+          <a:p>
+            <a:pPr lvl="0" rtl="0">
+              <a:spcBef>
+                <a:spcPts val="0"/>
+              </a:spcBef>
+              <a:buClr>
+                <a:schemeClr val="dk1"/>
+              </a:buClr>
+              <a:buSzPct val="36666"/>
+              <a:buFont typeface="Arial"/>
+              <a:buNone/>
+            </a:pPr>
+            <a:r>
+              <a:rPr lang="en"/>
+              <a:t>Встроенный assert</a:t>
+            </a:r>
+          </a:p>
+          <a:p>
+            <a:pPr lvl="0" rtl="0">
+              <a:spcBef>
+                <a:spcPts val="0"/>
+              </a:spcBef>
+              <a:buClr>
+                <a:schemeClr val="dk1"/>
+              </a:buClr>
+              <a:buFont typeface="Arial"/>
+              <a:buNone/>
+            </a:pPr>
+            <a:r>
+              <a:t/>
+            </a:r>
+            <a:endParaRPr sz="1000"/>
+          </a:p>
           <a:p>
             <a:pPr lvl="0" rtl="0">
               <a:spcBef>
@@ -9698,21 +10453,9 @@
               <a:buNone/>
             </a:pPr>
             <a:r>
-              <a:rPr lang="en" sz="2400"/>
-              <a:t>@BeforeClass</a:t>
-            </a:r>
-          </a:p>
-          <a:p>
-            <a:pPr lvl="0" rtl="0">
-              <a:spcBef>
-                <a:spcPts val="0"/>
-              </a:spcBef>
-              <a:buNone/>
-            </a:pPr>
-            <a:r>
-              <a:t/>
-            </a:r>
-            <a:endParaRPr sz="800"/>
+              <a:rPr b="1" lang="en" sz="2400"/>
+              <a:t>assert "llo".equals("Hello". substring (3));</a:t>
+            </a:r>
           </a:p>
           <a:p>
             <a:pPr lvl="0" rtl="0">
@@ -9727,12 +10470,28 @@
               <a:buNone/>
             </a:pPr>
             <a:r>
-              <a:rPr lang="en" sz="2400"/>
-              <a:t>Для каждого @Test-метода:</a:t>
-            </a:r>
-          </a:p>
-          <a:p>
-            <a:pPr indent="457200" lvl="0" rtl="0">
+              <a:rPr b="1" lang="en" sz="2400"/>
+              <a:t>assert 1 == 1 : "Arithmetics broken";</a:t>
+            </a:r>
+          </a:p>
+          <a:p>
+            <a:pPr lvl="0" rtl="0">
+              <a:spcBef>
+                <a:spcPts val="0"/>
+              </a:spcBef>
+              <a:buClr>
+                <a:schemeClr val="dk1"/>
+              </a:buClr>
+              <a:buFont typeface="Arial"/>
+              <a:buNone/>
+            </a:pPr>
+            <a:r>
+              <a:t/>
+            </a:r>
+            <a:endParaRPr sz="1000"/>
+          </a:p>
+          <a:p>
+            <a:pPr lvl="0" rtl="0">
               <a:spcBef>
                 <a:spcPts val="0"/>
               </a:spcBef>
@@ -9745,11 +10504,11 @@
             </a:pPr>
             <a:r>
               <a:rPr lang="en" sz="2400"/>
-              <a:t>создание экземпляра тестового класса</a:t>
-            </a:r>
-          </a:p>
-          <a:p>
-            <a:pPr indent="457200" lvl="0" rtl="0">
+              <a:t>Поддерживаются только булевские условия</a:t>
+            </a:r>
+          </a:p>
+          <a:p>
+            <a:pPr lvl="0" rtl="0">
               <a:spcBef>
                 <a:spcPts val="0"/>
               </a:spcBef>
@@ -9762,11 +10521,11 @@
             </a:pPr>
             <a:r>
               <a:rPr lang="en" sz="2400"/>
-              <a:t>@Before</a:t>
-            </a:r>
-          </a:p>
-          <a:p>
-            <a:pPr indent="457200" lvl="0" rtl="0">
+              <a:t>В исключении нет описания проблемы</a:t>
+            </a:r>
+          </a:p>
+          <a:p>
+            <a:pPr lvl="0" rtl="0">
               <a:spcBef>
                 <a:spcPts val="0"/>
               </a:spcBef>
@@ -9779,65 +10538,20 @@
             </a:pPr>
             <a:r>
               <a:rPr lang="en" sz="2400"/>
-              <a:t>@Test</a:t>
-            </a:r>
-          </a:p>
-          <a:p>
-            <a:pPr indent="457200" lvl="0" rtl="0">
-              <a:spcBef>
-                <a:spcPts val="0"/>
-              </a:spcBef>
-              <a:buNone/>
-            </a:pPr>
-            <a:r>
-              <a:rPr lang="en" sz="2400"/>
-              <a:t>@After</a:t>
-            </a:r>
-          </a:p>
-          <a:p>
-            <a:pPr indent="457200" lvl="0" rtl="0">
-              <a:spcBef>
-                <a:spcPts val="0"/>
-              </a:spcBef>
-              <a:buClr>
-                <a:schemeClr val="dk1"/>
-              </a:buClr>
-              <a:buFont typeface="Arial"/>
+              <a:t>Надо включать флагом JVM -ea</a:t>
+            </a:r>
+          </a:p>
+          <a:p>
+            <a:pPr>
+              <a:spcBef>
+                <a:spcPts val="0"/>
+              </a:spcBef>
               <a:buNone/>
             </a:pPr>
             <a:r>
               <a:t/>
             </a:r>
-            <a:endParaRPr sz="800"/>
-          </a:p>
-          <a:p>
-            <a:pPr lvl="0" rtl="0">
-              <a:spcBef>
-                <a:spcPts val="0"/>
-              </a:spcBef>
-              <a:buClr>
-                <a:schemeClr val="dk1"/>
-              </a:buClr>
-              <a:buSzPct val="45833"/>
-              <a:buFont typeface="Arial"/>
-              <a:buNone/>
-            </a:pPr>
-            <a:r>
-              <a:rPr lang="en" sz="2400"/>
-              <a:t>@AfterClass</a:t>
-            </a:r>
-          </a:p>
-          <a:p>
-            <a:pPr>
-              <a:spcBef>
-                <a:spcPts val="0"/>
-              </a:spcBef>
-              <a:buNone/>
-            </a:pPr>
-            <a:r>
-              <a:t/>
-            </a:r>
-            <a:endParaRPr sz="2400"/>
+            <a:endParaRPr/>
           </a:p>
         </p:txBody>
       </p:sp>
@@ -9900,7 +10614,7 @@
             </a:pPr>
             <a:r>
               <a:rPr lang="en"/>
-              <a:t>Demo</a:t>
+              <a:t>Структура теста</a:t>
             </a:r>
           </a:p>
         </p:txBody>
@@ -9928,7 +10642,19 @@
           </a:bodyPr>
           <a:lstStyle/>
           <a:p>
-            <a:pPr>
+            <a:pPr lvl="0" rtl="0">
+              <a:spcBef>
+                <a:spcPts val="0"/>
+              </a:spcBef>
+              <a:buNone/>
+            </a:pPr>
+            <a:r>
+              <a:t/>
+            </a:r>
+            <a:endParaRPr/>
+          </a:p>
+          <a:p>
+            <a:pPr lvl="0" rtl="0">
               <a:spcBef>
                 <a:spcPts val="0"/>
               </a:spcBef>
@@ -9936,7 +10662,55 @@
             </a:pPr>
             <a:r>
               <a:rPr lang="en"/>
-              <a:t>junit.ExampleTest</a:t>
+              <a:t>(Given) Подготовка тестового окружения</a:t>
+            </a:r>
+          </a:p>
+          <a:p>
+            <a:pPr lvl="0" rtl="0">
+              <a:spcBef>
+                <a:spcPts val="0"/>
+              </a:spcBef>
+              <a:buNone/>
+            </a:pPr>
+            <a:r>
+              <a:t/>
+            </a:r>
+            <a:endParaRPr/>
+          </a:p>
+          <a:p>
+            <a:pPr lvl="0" rtl="0">
+              <a:spcBef>
+                <a:spcPts val="0"/>
+              </a:spcBef>
+              <a:buNone/>
+            </a:pPr>
+            <a:r>
+              <a:rPr lang="en"/>
+              <a:t>(When) Выполнение тестового сценария</a:t>
+            </a:r>
+          </a:p>
+          <a:p>
+            <a:pPr lvl="0" rtl="0">
+              <a:spcBef>
+                <a:spcPts val="0"/>
+              </a:spcBef>
+              <a:buNone/>
+            </a:pPr>
+            <a:r>
+              <a:t/>
+            </a:r>
+            <a:endParaRPr/>
+          </a:p>
+          <a:p>
+            <a:pPr lvl="0">
+              <a:spcBef>
+                <a:spcPts val="0"/>
+              </a:spcBef>
+              <a:buNone/>
+            </a:pPr>
+            <a:r>
+              <a:rPr lang="en"/>
+              <a:t>(Then) Проверки</a:t>
             </a:r>
           </a:p>
         </p:txBody>
@@ -9992,7 +10766,7 @@
           </a:bodyPr>
           <a:lstStyle/>
           <a:p>
-            <a:pPr lvl="0" rtl="0">
+            <a:pPr>
               <a:spcBef>
                 <a:spcPts val="0"/>
               </a:spcBef>
@@ -10000,7 +10774,7 @@
             </a:pPr>
             <a:r>
               <a:rPr lang="en"/>
-              <a:t>Сложные случаи тестирования</a:t>
+              <a:t>Жизненный цикл теста</a:t>
             </a:r>
           </a:p>
         </p:txBody>
@@ -10032,28 +10806,141 @@
               <a:spcBef>
                 <a:spcPts val="0"/>
               </a:spcBef>
-              <a:buNone/>
-            </a:pPr>
-            <a:r>
-              <a:rPr lang="en"/>
-              <a:t>В большинстве случаев модульное тестирование не представляет большой проблемы</a:t>
-            </a:r>
-          </a:p>
-          <a:p>
-            <a:pPr lvl="0" rtl="0">
-              <a:spcBef>
-                <a:spcPts val="0"/>
-              </a:spcBef>
               <a:buClr>
                 <a:schemeClr val="dk1"/>
               </a:buClr>
-              <a:buSzPct val="36666"/>
+              <a:buSzPct val="45833"/>
               <a:buFont typeface="Arial"/>
               <a:buNone/>
             </a:pPr>
             <a:r>
-              <a:rPr lang="en"/>
-              <a:t>Особенно в случае TDD, когда целевой код с самого начала проектируется с учетом необходимости тестирования.</a:t>
+              <a:rPr lang="en" sz="2400"/>
+              <a:t>@BeforeClass</a:t>
+            </a:r>
+          </a:p>
+          <a:p>
+            <a:pPr lvl="0" rtl="0">
+              <a:spcBef>
+                <a:spcPts val="0"/>
+              </a:spcBef>
+              <a:buNone/>
+            </a:pPr>
+            <a:r>
+              <a:t/>
+            </a:r>
+            <a:endParaRPr sz="800"/>
+          </a:p>
+          <a:p>
+            <a:pPr lvl="0" rtl="0">
+              <a:spcBef>
+                <a:spcPts val="0"/>
+              </a:spcBef>
+              <a:buClr>
+                <a:schemeClr val="dk1"/>
+              </a:buClr>
+              <a:buSzPct val="45833"/>
+              <a:buFont typeface="Arial"/>
+              <a:buNone/>
+            </a:pPr>
+            <a:r>
+              <a:rPr lang="en" sz="2400"/>
+              <a:t>Для каждого @Test-метода:</a:t>
+            </a:r>
+          </a:p>
+          <a:p>
+            <a:pPr indent="457200" lvl="0" rtl="0">
+              <a:spcBef>
+                <a:spcPts val="0"/>
+              </a:spcBef>
+              <a:buClr>
+                <a:schemeClr val="dk1"/>
+              </a:buClr>
+              <a:buSzPct val="45833"/>
+              <a:buFont typeface="Arial"/>
+              <a:buNone/>
+            </a:pPr>
+            <a:r>
+              <a:rPr lang="en" sz="2400"/>
+              <a:t>создание экземпляра тестового класса</a:t>
+            </a:r>
+          </a:p>
+          <a:p>
+            <a:pPr indent="457200" lvl="0" rtl="0">
+              <a:spcBef>
+                <a:spcPts val="0"/>
+              </a:spcBef>
+              <a:buClr>
+                <a:schemeClr val="dk1"/>
+              </a:buClr>
+              <a:buSzPct val="45833"/>
+              <a:buFont typeface="Arial"/>
+              <a:buNone/>
+            </a:pPr>
+            <a:r>
+              <a:rPr lang="en" sz="2400"/>
+              <a:t>@Before</a:t>
+            </a:r>
+          </a:p>
+          <a:p>
+            <a:pPr indent="457200" lvl="0" rtl="0">
+              <a:spcBef>
+                <a:spcPts val="0"/>
+              </a:spcBef>
+              <a:buClr>
+                <a:schemeClr val="dk1"/>
+              </a:buClr>
+              <a:buSzPct val="45833"/>
+              <a:buFont typeface="Arial"/>
+              <a:buNone/>
+            </a:pPr>
+            <a:r>
+              <a:rPr lang="en" sz="2400"/>
+              <a:t>@Test</a:t>
+            </a:r>
+          </a:p>
+          <a:p>
+            <a:pPr indent="457200" lvl="0" rtl="0">
+              <a:spcBef>
+                <a:spcPts val="0"/>
+              </a:spcBef>
+              <a:buNone/>
+            </a:pPr>
+            <a:r>
+              <a:rPr lang="en" sz="2400"/>
+              <a:t>@After</a:t>
+            </a:r>
+          </a:p>
+          <a:p>
+            <a:pPr indent="457200" lvl="0" rtl="0">
+              <a:spcBef>
+                <a:spcPts val="0"/>
+              </a:spcBef>
+              <a:buClr>
+                <a:schemeClr val="dk1"/>
+              </a:buClr>
+              <a:buFont typeface="Arial"/>
+              <a:buNone/>
+            </a:pPr>
+            <a:r>
+              <a:t/>
+            </a:r>
+            <a:endParaRPr sz="800"/>
+          </a:p>
+          <a:p>
+            <a:pPr lvl="0" rtl="0">
+              <a:spcBef>
+                <a:spcPts val="0"/>
+              </a:spcBef>
+              <a:buClr>
+                <a:schemeClr val="dk1"/>
+              </a:buClr>
+              <a:buSzPct val="45833"/>
+              <a:buFont typeface="Arial"/>
+              <a:buNone/>
+            </a:pPr>
+            <a:r>
+              <a:rPr lang="en" sz="2400"/>
+              <a:t>@AfterClass</a:t>
             </a:r>
           </a:p>
           <a:p>
@@ -10066,7 +10953,7 @@
             <a:r>
               <a:t/>
             </a:r>
-            <a:endParaRPr/>
+            <a:endParaRPr sz="2400"/>
           </a:p>
         </p:txBody>
       </p:sp>
@@ -10121,7 +11008,7 @@
           </a:bodyPr>
           <a:lstStyle/>
           <a:p>
-            <a:pPr lvl="0" rtl="0">
+            <a:pPr>
               <a:spcBef>
                 <a:spcPts val="0"/>
               </a:spcBef>
@@ -10129,7 +11016,7 @@
             </a:pPr>
             <a:r>
               <a:rPr lang="en"/>
-              <a:t>Сложные случаи тестирования</a:t>
+              <a:t>Demo</a:t>
             </a:r>
           </a:p>
         </p:txBody>
@@ -10157,7 +11044,7 @@
           </a:bodyPr>
           <a:lstStyle/>
           <a:p>
-            <a:pPr lvl="0" rtl="0">
+            <a:pPr>
               <a:spcBef>
                 <a:spcPts val="0"/>
               </a:spcBef>
@@ -10165,20 +11052,8 @@
             </a:pPr>
             <a:r>
               <a:rPr lang="en"/>
-              <a:t>Если сначала пишется целевой код, а тестирование производится потом, когда он уже готов, тестирование становится более сложным и трудоемким и сталкивается серьезными проблемами, для решения которых разработаны специальные средства.</a:t>
-            </a:r>
-          </a:p>
-          <a:p>
-            <a:pPr lvl="0" rtl="0">
-              <a:spcBef>
-                <a:spcPts val="0"/>
-              </a:spcBef>
-              <a:buNone/>
-            </a:pPr>
-            <a:r>
-              <a:t/>
-            </a:r>
-            <a:endParaRPr/>
+              <a:t>junit.ExampleTest</a:t>
+            </a:r>
           </a:p>
         </p:txBody>
       </p:sp>
@@ -10233,7 +11108,7 @@
           </a:bodyPr>
           <a:lstStyle/>
           <a:p>
-            <a:pPr lvl="0">
+            <a:pPr lvl="0" rtl="0">
               <a:spcBef>
                 <a:spcPts val="0"/>
               </a:spcBef>
@@ -10269,71 +11144,32 @@
           </a:bodyPr>
           <a:lstStyle/>
           <a:p>
-            <a:pPr indent="-419100" lvl="0" marL="457200" rtl="0">
+            <a:pPr lvl="0" rtl="0">
+              <a:spcBef>
+                <a:spcPts val="0"/>
+              </a:spcBef>
+              <a:buNone/>
+            </a:pPr>
+            <a:r>
+              <a:rPr lang="en"/>
+              <a:t>В большинстве случаев модульное тестирование не представляет большой проблемы</a:t>
+            </a:r>
+          </a:p>
+          <a:p>
+            <a:pPr lvl="0" rtl="0">
               <a:spcBef>
                 <a:spcPts val="0"/>
               </a:spcBef>
               <a:buClr>
-                <a:schemeClr val="lt1"/>
+                <a:schemeClr val="dk1"/>
               </a:buClr>
-              <a:buSzPct val="100000"/>
+              <a:buSzPct val="36666"/>
               <a:buFont typeface="Arial"/>
-              <a:buChar char="●"/>
+              <a:buNone/>
             </a:pPr>
             <a:r>
               <a:rPr lang="en"/>
-              <a:t>работа с оборудованием;</a:t>
-            </a:r>
-          </a:p>
-          <a:p>
-            <a:pPr indent="-419100" lvl="0" marL="457200" rtl="0">
-              <a:spcBef>
-                <a:spcPts val="0"/>
-              </a:spcBef>
-              <a:buClr>
-                <a:schemeClr val="lt1"/>
-              </a:buClr>
-              <a:buSzPct val="100000"/>
-              <a:buFont typeface="Arial"/>
-              <a:buChar char="●"/>
-            </a:pPr>
-            <a:r>
-              <a:rPr lang="en"/>
-              <a:t>работа в реальном времени;</a:t>
-            </a:r>
-          </a:p>
-          <a:p>
-            <a:pPr indent="-419100" lvl="0" marL="457200" rtl="0">
-              <a:spcBef>
-                <a:spcPts val="0"/>
-              </a:spcBef>
-              <a:buClr>
-                <a:schemeClr val="lt1"/>
-              </a:buClr>
-              <a:buSzPct val="100000"/>
-              <a:buFont typeface="Arial"/>
-              <a:buChar char="●"/>
-            </a:pPr>
-            <a:r>
-              <a:rPr lang="en"/>
-              <a:t>работа с базами данных;</a:t>
-            </a:r>
-          </a:p>
-          <a:p>
-            <a:pPr indent="-419100" lvl="0" marL="457200" rtl="0">
-              <a:spcBef>
-                <a:spcPts val="0"/>
-              </a:spcBef>
-              <a:buClr>
-                <a:schemeClr val="lt1"/>
-              </a:buClr>
-              <a:buSzPct val="100000"/>
-              <a:buFont typeface="Arial"/>
-              <a:buChar char="●"/>
-            </a:pPr>
-            <a:r>
-              <a:rPr lang="en"/>
-              <a:t>работа с удаленными сервисами (например, WWW).</a:t>
+              <a:t>Особенно в случае TDD, когда целевой код с самого начала проектируется с учетом необходимости тестирования.</a:t>
             </a:r>
           </a:p>
           <a:p>
@@ -10401,7 +11237,7 @@
           </a:bodyPr>
           <a:lstStyle/>
           <a:p>
-            <a:pPr lvl="0">
+            <a:pPr lvl="0" rtl="0">
               <a:spcBef>
                 <a:spcPts val="0"/>
               </a:spcBef>
@@ -10445,7 +11281,7 @@
             </a:pPr>
             <a:r>
               <a:rPr lang="en"/>
-              <a:t>Инкапсуляция — один из столпов, на которых базируется ООП</a:t>
+              <a:t>Если сначала пишется целевой код, а тестирование производится потом, когда он уже готов, тестирование становится более сложным и трудоемким и сталкивается серьезными проблемами, для решения которых разработаны специальные средства.</a:t>
             </a:r>
           </a:p>
           <a:p>
@@ -10456,21 +11292,9 @@
               <a:buNone/>
             </a:pPr>
             <a:r>
-              <a:rPr lang="en"/>
-              <a:t>Затруднено тестирование вспомогательных (приватных) методов класса.</a:t>
-            </a:r>
-          </a:p>
-          <a:p>
-            <a:pPr lvl="0" rtl="0">
-              <a:spcBef>
-                <a:spcPts val="0"/>
-              </a:spcBef>
-              <a:buNone/>
-            </a:pPr>
-            <a:r>
-              <a:rPr lang="en"/>
-              <a:t>Затруднена проверка внутреннего состояния класса, поскольку оно также надежно спрятано в приватных переменных.</a:t>
-            </a:r>
+              <a:t/>
+            </a:r>
+            <a:endParaRPr/>
           </a:p>
         </p:txBody>
       </p:sp>
@@ -10574,7 +11398,7 @@
             </a:pPr>
             <a:r>
               <a:rPr lang="en"/>
-              <a:t>Если нет возможности использовать внешние сервисы, их нужно чем-то заменить</a:t>
+              <a:t>работа с оборудованием;</a:t>
             </a:r>
           </a:p>
           <a:p>
@@ -10591,8 +11415,54 @@
             </a:pPr>
             <a:r>
               <a:rPr lang="en"/>
-              <a:t>Если пользователей интересует не состояние объекта (скрытое) а выполняемые им операции, то давайте и мы будем проверять именно эти операции</a:t>
-            </a:r>
+              <a:t>работа в реальном времени;</a:t>
+            </a:r>
+          </a:p>
+          <a:p>
+            <a:pPr indent="-419100" lvl="0" marL="457200" rtl="0">
+              <a:spcBef>
+                <a:spcPts val="0"/>
+              </a:spcBef>
+              <a:buClr>
+                <a:schemeClr val="lt1"/>
+              </a:buClr>
+              <a:buSzPct val="100000"/>
+              <a:buFont typeface="Arial"/>
+              <a:buChar char="●"/>
+            </a:pPr>
+            <a:r>
+              <a:rPr lang="en"/>
+              <a:t>работа с базами данных;</a:t>
+            </a:r>
+          </a:p>
+          <a:p>
+            <a:pPr indent="-419100" lvl="0" marL="457200" rtl="0">
+              <a:spcBef>
+                <a:spcPts val="0"/>
+              </a:spcBef>
+              <a:buClr>
+                <a:schemeClr val="lt1"/>
+              </a:buClr>
+              <a:buSzPct val="100000"/>
+              <a:buFont typeface="Arial"/>
+              <a:buChar char="●"/>
+            </a:pPr>
+            <a:r>
+              <a:rPr lang="en"/>
+              <a:t>работа с удаленными сервисами (например, WWW).</a:t>
+            </a:r>
+          </a:p>
+          <a:p>
+            <a:pPr>
+              <a:spcBef>
+                <a:spcPts val="0"/>
+              </a:spcBef>
+              <a:buNone/>
+            </a:pPr>
+            <a:r>
+              <a:t/>
+            </a:r>
+            <a:endParaRPr/>
           </a:p>
         </p:txBody>
       </p:sp>
@@ -10647,7 +11517,7 @@
           </a:bodyPr>
           <a:lstStyle/>
           <a:p>
-            <a:pPr lvl="0" rtl="0">
+            <a:pPr lvl="0">
               <a:spcBef>
                 <a:spcPts val="0"/>
               </a:spcBef>
@@ -10655,7 +11525,7 @@
             </a:pPr>
             <a:r>
               <a:rPr lang="en"/>
-              <a:t>Опосредованный ввод</a:t>
+              <a:t>Сложные случаи тестирования</a:t>
             </a:r>
           </a:p>
         </p:txBody>
@@ -10687,20 +11557,15 @@
               <a:spcBef>
                 <a:spcPts val="0"/>
               </a:spcBef>
-              <a:buClr>
-                <a:schemeClr val="dk1"/>
-              </a:buClr>
-              <a:buSzPct val="36666"/>
-              <a:buFont typeface="Arial"/>
               <a:buNone/>
             </a:pPr>
             <a:r>
               <a:rPr lang="en"/>
-              <a:t>Альтернатива непосредственному вводу.</a:t>
-            </a:r>
-          </a:p>
-          <a:p>
-            <a:pPr rtl="0">
+              <a:t>Инкапсуляция — один из столпов, на которых базируется ООП</a:t>
+            </a:r>
+          </a:p>
+          <a:p>
+            <a:pPr lvl="0" rtl="0">
               <a:spcBef>
                 <a:spcPts val="0"/>
               </a:spcBef>
@@ -10708,7 +11573,7 @@
             </a:pPr>
             <a:r>
               <a:rPr lang="en"/>
-              <a:t>Тестируемый метод не использует входные параметры, а вместо этого обращается за входными данными к другому методу</a:t>
+              <a:t>Затруднено тестирование вспомогательных (приватных) методов класса.</a:t>
             </a:r>
           </a:p>
           <a:p>
@@ -10720,7 +11585,7 @@
             </a:pPr>
             <a:r>
               <a:rPr lang="en"/>
-              <a:t>Нужно заставить этот самый другой метод вернуть именно те данные, которые нужны для нашего теста</a:t>
+              <a:t>Затруднена проверка внутреннего состояния класса, поскольку оно также надежно спрятано в приватных переменных.</a:t>
             </a:r>
           </a:p>
         </p:txBody>
@@ -10915,7 +11780,7 @@
           </a:bodyPr>
           <a:lstStyle/>
           <a:p>
-            <a:pPr>
+            <a:pPr lvl="0">
               <a:spcBef>
                 <a:spcPts val="0"/>
               </a:spcBef>
@@ -10923,7 +11788,7 @@
             </a:pPr>
             <a:r>
               <a:rPr lang="en"/>
-              <a:t>Опосредованный вывод</a:t>
+              <a:t>Сложные случаи тестирования</a:t>
             </a:r>
           </a:p>
         </p:txBody>
@@ -10951,70 +11816,37 @@
           </a:bodyPr>
           <a:lstStyle/>
           <a:p>
-            <a:pPr lvl="0" rtl="0">
+            <a:pPr indent="-419100" lvl="0" marL="457200" rtl="0">
               <a:spcBef>
                 <a:spcPts val="0"/>
               </a:spcBef>
               <a:buClr>
-                <a:schemeClr val="dk1"/>
+                <a:schemeClr val="lt1"/>
               </a:buClr>
-              <a:buSzPct val="36666"/>
+              <a:buSzPct val="100000"/>
               <a:buFont typeface="Arial"/>
-              <a:buNone/>
+              <a:buChar char="●"/>
             </a:pPr>
             <a:r>
               <a:rPr lang="en"/>
-              <a:t>Иногда результат работы модуля передается другим модулям для дальнейших действий.</a:t>
-            </a:r>
-          </a:p>
-          <a:p>
-            <a:pPr lvl="0" rtl="0">
+              <a:t>Если нет возможности использовать внешние сервисы, их нужно чем-то заменить</a:t>
+            </a:r>
+          </a:p>
+          <a:p>
+            <a:pPr indent="-419100" lvl="0" marL="457200" rtl="0">
               <a:spcBef>
                 <a:spcPts val="0"/>
               </a:spcBef>
               <a:buClr>
-                <a:schemeClr val="dk1"/>
+                <a:schemeClr val="lt1"/>
               </a:buClr>
-              <a:buSzPct val="78571"/>
+              <a:buSzPct val="100000"/>
               <a:buFont typeface="Arial"/>
-              <a:buNone/>
-            </a:pPr>
-            <a:r>
-              <a:rPr lang="en" sz="1400"/>
-              <a:t>Типичный пример: данные передаются модулю интерфейса базы данных с целью их записи в таблицу.</a:t>
-            </a:r>
-          </a:p>
-          <a:p>
-            <a:pPr lvl="0" rtl="0">
-              <a:spcBef>
-                <a:spcPts val="0"/>
-              </a:spcBef>
-              <a:buClr>
-                <a:schemeClr val="dk1"/>
-              </a:buClr>
-              <a:buFont typeface="Arial"/>
-              <a:buNone/>
-            </a:pPr>
-            <a:r>
-              <a:t/>
-            </a:r>
-            <a:endParaRPr/>
-          </a:p>
-          <a:p>
-            <a:pPr lvl="0">
-              <a:spcBef>
-                <a:spcPts val="0"/>
-              </a:spcBef>
-              <a:buClr>
-                <a:schemeClr val="dk1"/>
-              </a:buClr>
-              <a:buSzPct val="36666"/>
-              <a:buFont typeface="Arial"/>
-              <a:buNone/>
+              <a:buChar char="●"/>
             </a:pPr>
             <a:r>
               <a:rPr lang="en"/>
-              <a:t>В случаях опосредованного ввода/вывода может оказаться полезным применение тестовых двойников (дублеров).</a:t>
+              <a:t>Если пользователей интересует не состояние объекта (скрытое) а выполняемые им операции, то давайте и мы будем проверять именно эти операции</a:t>
             </a:r>
           </a:p>
         </p:txBody>
@@ -11070,7 +11902,7 @@
           </a:bodyPr>
           <a:lstStyle/>
           <a:p>
-            <a:pPr>
+            <a:pPr lvl="0" rtl="0">
               <a:spcBef>
                 <a:spcPts val="0"/>
               </a:spcBef>
@@ -11078,7 +11910,7 @@
             </a:pPr>
             <a:r>
               <a:rPr lang="en"/>
-              <a:t>Тестовая заглушка (Stub)</a:t>
+              <a:t>Опосредованный ввод</a:t>
             </a:r>
           </a:p>
         </p:txBody>
@@ -11119,7 +11951,19 @@
             </a:pPr>
             <a:r>
               <a:rPr lang="en"/>
-              <a:t>Назначение — обеспечить наш тестируемый модуль входными данными, требуемыми для данного теста.</a:t>
+              <a:t>Альтернатива непосредственному вводу.</a:t>
+            </a:r>
+          </a:p>
+          <a:p>
+            <a:pPr rtl="0">
+              <a:spcBef>
+                <a:spcPts val="0"/>
+              </a:spcBef>
+              <a:buNone/>
+            </a:pPr>
+            <a:r>
+              <a:rPr lang="en"/>
+              <a:t>Тестируемый метод не использует входные параметры, а вместо этого обращается за входными данными к другому методу</a:t>
             </a:r>
           </a:p>
           <a:p>
@@ -11130,8 +11974,8 @@
               <a:buNone/>
             </a:pPr>
             <a:r>
-              <a:rPr lang="en" sz="2400"/>
-              <a:t>Может быть реализована как в фиксированном варианте (выдаваемые данные жестко зашиты в коде), так и в настраиваемом (выдаваемые данные задаются в фазе инициализации теста).</a:t>
+              <a:rPr lang="en"/>
+              <a:t>Нужно заставить этот самый другой метод вернуть именно те данные, которые нужны для нашего теста</a:t>
             </a:r>
           </a:p>
         </p:txBody>
@@ -11187,7 +12031,7 @@
           </a:bodyPr>
           <a:lstStyle/>
           <a:p>
-            <a:pPr lvl="0" rtl="0">
+            <a:pPr>
               <a:spcBef>
                 <a:spcPts val="0"/>
               </a:spcBef>
@@ -11195,7 +12039,7 @@
             </a:pPr>
             <a:r>
               <a:rPr lang="en"/>
-              <a:t>Генератор ответов</a:t>
+              <a:t>Опосредованный вывод</a:t>
             </a:r>
           </a:p>
         </p:txBody>
@@ -11236,7 +12080,24 @@
             </a:pPr>
             <a:r>
               <a:rPr lang="en"/>
-              <a:t>Разновидность тестовой заглушки, которая поставляет «хорошие» данные, которые должны корректно обрабатываться в штатном режиме. Генератор ответов обычно используется в тестах основного сценария прецедента, то есть в тестах успешности.</a:t>
+              <a:t>Иногда результат работы модуля передается другим модулям для дальнейших действий.</a:t>
+            </a:r>
+          </a:p>
+          <a:p>
+            <a:pPr lvl="0" rtl="0">
+              <a:spcBef>
+                <a:spcPts val="0"/>
+              </a:spcBef>
+              <a:buClr>
+                <a:schemeClr val="dk1"/>
+              </a:buClr>
+              <a:buSzPct val="78571"/>
+              <a:buFont typeface="Arial"/>
+              <a:buNone/>
+            </a:pPr>
+            <a:r>
+              <a:rPr lang="en" sz="1400"/>
+              <a:t>Типичный пример: данные передаются модулю интерфейса базы данных с целью их записи в таблицу.</a:t>
             </a:r>
           </a:p>
           <a:p>
@@ -11256,16 +12117,21 @@
             <a:endParaRPr/>
           </a:p>
           <a:p>
-            <a:pPr>
-              <a:spcBef>
-                <a:spcPts val="0"/>
-              </a:spcBef>
-              <a:buNone/>
-            </a:pPr>
-            <a:r>
-              <a:t/>
-            </a:r>
-            <a:endParaRPr/>
+            <a:pPr lvl="0">
+              <a:spcBef>
+                <a:spcPts val="0"/>
+              </a:spcBef>
+              <a:buClr>
+                <a:schemeClr val="dk1"/>
+              </a:buClr>
+              <a:buSzPct val="36666"/>
+              <a:buFont typeface="Arial"/>
+              <a:buNone/>
+            </a:pPr>
+            <a:r>
+              <a:rPr lang="en"/>
+              <a:t>В случаях опосредованного ввода/вывода может оказаться полезным применение тестовых двойников (дублеров).</a:t>
+            </a:r>
           </a:p>
         </p:txBody>
       </p:sp>
@@ -11328,7 +12194,7 @@
             </a:pPr>
             <a:r>
               <a:rPr lang="en"/>
-              <a:t>Диверсант</a:t>
+              <a:t>Тестовая заглушка (Stub)</a:t>
             </a:r>
           </a:p>
         </p:txBody>
@@ -11369,20 +12235,20 @@
             </a:pPr>
             <a:r>
               <a:rPr lang="en"/>
-              <a:t>Назначение - имитировать аварийную ситуацию (например, генерируя исключение) или поставлять «плохие» данные, которых не должно быть в штатном режиме. Диверсанты полезны при тестировании отказоустойчивости модуля.</a:t>
-            </a:r>
-          </a:p>
-          <a:p>
-            <a:pPr>
-              <a:spcBef>
-                <a:spcPts val="0"/>
-              </a:spcBef>
-              <a:buNone/>
-            </a:pPr>
-            <a:r>
-              <a:t/>
-            </a:r>
-            <a:endParaRPr/>
+              <a:t>Назначение — обеспечить наш тестируемый модуль входными данными, требуемыми для данного теста.</a:t>
+            </a:r>
+          </a:p>
+          <a:p>
+            <a:pPr lvl="0" rtl="0">
+              <a:spcBef>
+                <a:spcPts val="0"/>
+              </a:spcBef>
+              <a:buNone/>
+            </a:pPr>
+            <a:r>
+              <a:rPr lang="en" sz="2400"/>
+              <a:t>Может быть реализована как в фиксированном варианте (выдаваемые данные жестко зашиты в коде), так и в настраиваемом (выдаваемые данные задаются в фазе инициализации теста).</a:t>
+            </a:r>
           </a:p>
         </p:txBody>
       </p:sp>
@@ -11437,7 +12303,7 @@
           </a:bodyPr>
           <a:lstStyle/>
           <a:p>
-            <a:pPr>
+            <a:pPr lvl="0" rtl="0">
               <a:spcBef>
                 <a:spcPts val="0"/>
               </a:spcBef>
@@ -11445,7 +12311,7 @@
             </a:pPr>
             <a:r>
               <a:rPr lang="en"/>
-              <a:t>Временная тестовая заглушка</a:t>
+              <a:t>Генератор ответов</a:t>
             </a:r>
           </a:p>
         </p:txBody>
@@ -11472,18 +12338,6 @@
             <a:noAutofit/>
           </a:bodyPr>
           <a:lstStyle/>
-          <a:p>
-            <a:pPr lvl="0" rtl="0">
-              <a:spcBef>
-                <a:spcPts val="0"/>
-              </a:spcBef>
-              <a:buNone/>
-            </a:pPr>
-            <a:r>
-              <a:rPr lang="en"/>
-              <a:t>Назначение — предоставить возможность тестирования модуля, который зависит от еще не реализованных модулей</a:t>
-            </a:r>
-          </a:p>
           <a:p>
             <a:pPr lvl="0" rtl="0">
               <a:spcBef>
@@ -11498,8 +12352,24 @@
             </a:pPr>
             <a:r>
               <a:rPr lang="en"/>
-              <a:t>В дальнейшем, когда дело дойдет до заглушенного модуля, он постепенно будет обрастать рабочим кодом и в конечном итоге перестанет быть заглушкой.</a:t>
-            </a:r>
+              <a:t>Разновидность тестовой заглушки, которая поставляет «хорошие» данные, которые должны корректно обрабатываться в штатном режиме. Генератор ответов обычно используется в тестах основного сценария прецедента, то есть в тестах успешности.</a:t>
+            </a:r>
+          </a:p>
+          <a:p>
+            <a:pPr lvl="0" rtl="0">
+              <a:spcBef>
+                <a:spcPts val="0"/>
+              </a:spcBef>
+              <a:buClr>
+                <a:schemeClr val="dk1"/>
+              </a:buClr>
+              <a:buFont typeface="Arial"/>
+              <a:buNone/>
+            </a:pPr>
+            <a:r>
+              <a:t/>
+            </a:r>
+            <a:endParaRPr/>
           </a:p>
           <a:p>
             <a:pPr>
@@ -11566,7 +12436,7 @@
           </a:bodyPr>
           <a:lstStyle/>
           <a:p>
-            <a:pPr lvl="0" rtl="0">
+            <a:pPr>
               <a:spcBef>
                 <a:spcPts val="0"/>
               </a:spcBef>
@@ -11574,7 +12444,7 @@
             </a:pPr>
             <a:r>
               <a:rPr lang="en"/>
-              <a:t>Тестовый агент</a:t>
+              <a:t>Диверсант</a:t>
             </a:r>
           </a:p>
         </p:txBody>
@@ -11606,6 +12476,23 @@
               <a:spcBef>
                 <a:spcPts val="0"/>
               </a:spcBef>
+              <a:buClr>
+                <a:schemeClr val="dk1"/>
+              </a:buClr>
+              <a:buSzPct val="36666"/>
+              <a:buFont typeface="Arial"/>
+              <a:buNone/>
+            </a:pPr>
+            <a:r>
+              <a:rPr lang="en"/>
+              <a:t>Назначение - имитировать аварийную ситуацию (например, генерируя исключение) или поставлять «плохие» данные, которых не должно быть в штатном режиме. Диверсанты полезны при тестировании отказоустойчивости модуля.</a:t>
+            </a:r>
+          </a:p>
+          <a:p>
+            <a:pPr>
+              <a:spcBef>
+                <a:spcPts val="0"/>
+              </a:spcBef>
               <a:buNone/>
             </a:pPr>
             <a:r>
@@ -11613,60 +12500,8 @@
             </a:r>
             <a:endParaRPr/>
           </a:p>
-          <a:p>
-            <a:pPr lvl="0" rtl="0">
-              <a:spcBef>
-                <a:spcPts val="0"/>
-              </a:spcBef>
-              <a:buNone/>
-            </a:pPr>
-            <a:r>
-              <a:t/>
-            </a:r>
-            <a:endParaRPr/>
-          </a:p>
-          <a:p>
-            <a:pPr lvl="0" rtl="0">
-              <a:spcBef>
-                <a:spcPts val="0"/>
-              </a:spcBef>
-              <a:buNone/>
-            </a:pPr>
-            <a:r>
-              <a:rPr lang="en"/>
-              <a:t>Назначение - запись всех данных, приходящих от модуля, чтобы потом предоставить полный отчет тестовой системе, которая анализирует эти данные и принимает решение об успешности теста.</a:t>
-            </a:r>
-          </a:p>
-        </p:txBody>
-      </p:sp>
-      <p:pic>
-        <p:nvPicPr>
-          <p:cNvPr id="235" name="Shape 235"/>
-          <p:cNvPicPr preferRelativeResize="0"/>
-          <p:nvPr/>
-        </p:nvPicPr>
-        <p:blipFill>
-          <a:blip r:embed="rId3">
-            <a:alphaModFix/>
-          </a:blip>
-          <a:stretch>
-            <a:fillRect/>
-          </a:stretch>
-        </p:blipFill>
-        <p:spPr>
-          <a:xfrm>
-            <a:off x="5775625" y="330625"/>
-            <a:ext cx="2171224" cy="1966499"/>
-          </a:xfrm>
-          <a:prstGeom prst="rect">
-            <a:avLst/>
-          </a:prstGeom>
-          <a:noFill/>
-          <a:ln>
-            <a:noFill/>
-          </a:ln>
-        </p:spPr>
-      </p:pic>
+        </p:txBody>
+      </p:sp>
     </p:spTree>
   </p:cSld>
   <p:clrMapOvr>
@@ -11683,7 +12518,7 @@
   <p:cSld>
     <p:spTree>
       <p:nvGrpSpPr>
-        <p:cNvPr id="239" name="Shape 239"/>
+        <p:cNvPr id="238" name="Shape 238"/>
         <p:cNvGrpSpPr/>
         <p:nvPr/>
       </p:nvGrpSpPr>
@@ -11697,7 +12532,7 @@
       </p:grpSpPr>
       <p:sp>
         <p:nvSpPr>
-          <p:cNvPr id="240" name="Shape 240"/>
+          <p:cNvPr id="239" name="Shape 239"/>
           <p:cNvSpPr txBox="1"/>
           <p:nvPr>
             <p:ph type="title"/>
@@ -11718,7 +12553,7 @@
           </a:bodyPr>
           <a:lstStyle/>
           <a:p>
-            <a:pPr lvl="0" rtl="0">
+            <a:pPr>
               <a:spcBef>
                 <a:spcPts val="0"/>
               </a:spcBef>
@@ -11726,14 +12561,14 @@
             </a:pPr>
             <a:r>
               <a:rPr lang="en"/>
-              <a:t>Подставной объект (Mock)</a:t>
-            </a:r>
-          </a:p>
-        </p:txBody>
-      </p:sp>
-      <p:sp>
-        <p:nvSpPr>
-          <p:cNvPr id="241" name="Shape 241"/>
+              <a:t>Временная тестовая заглушка</a:t>
+            </a:r>
+          </a:p>
+        </p:txBody>
+      </p:sp>
+      <p:sp>
+        <p:nvSpPr>
+          <p:cNvPr id="240" name="Shape 240"/>
           <p:cNvSpPr txBox="1"/>
           <p:nvPr>
             <p:ph idx="1" type="body"/>
@@ -11762,7 +12597,7 @@
             </a:pPr>
             <a:r>
               <a:rPr lang="en"/>
-              <a:t>Подставной объект соединят в себе функциональность тестового агента и тестовой заглушки.</a:t>
+              <a:t>Назначение — предоставить возможность тестирования модуля, который зависит от еще не реализованных модулей</a:t>
             </a:r>
           </a:p>
           <a:p>
@@ -11779,7 +12614,7 @@
             </a:pPr>
             <a:r>
               <a:rPr lang="en"/>
-              <a:t>Он может использоваться для контроля как опосредованного ввода, так и опосредованного вывода.</a:t>
+              <a:t>В дальнейшем, когда дело дойдет до заглушенного модуля, он постепенно будет обрастать рабочим кодом и в конечном итоге перестанет быть заглушкой.</a:t>
             </a:r>
           </a:p>
           <a:p>
@@ -11812,7 +12647,7 @@
   <p:cSld>
     <p:spTree>
       <p:nvGrpSpPr>
-        <p:cNvPr id="245" name="Shape 245"/>
+        <p:cNvPr id="244" name="Shape 244"/>
         <p:cNvGrpSpPr/>
         <p:nvPr/>
       </p:nvGrpSpPr>
@@ -11826,7 +12661,7 @@
       </p:grpSpPr>
       <p:sp>
         <p:nvSpPr>
-          <p:cNvPr id="246" name="Shape 246"/>
+          <p:cNvPr id="245" name="Shape 245"/>
           <p:cNvSpPr txBox="1"/>
           <p:nvPr>
             <p:ph type="title"/>
@@ -11855,14 +12690,14 @@
             </a:pPr>
             <a:r>
               <a:rPr lang="en"/>
-              <a:t>Подставной объект (Mock)</a:t>
-            </a:r>
-          </a:p>
-        </p:txBody>
-      </p:sp>
-      <p:sp>
-        <p:nvSpPr>
-          <p:cNvPr id="247" name="Shape 247"/>
+              <a:t>Тестовый агент</a:t>
+            </a:r>
+          </a:p>
+        </p:txBody>
+      </p:sp>
+      <p:sp>
+        <p:nvSpPr>
+          <p:cNvPr id="246" name="Shape 246"/>
           <p:cNvSpPr txBox="1"/>
           <p:nvPr>
             <p:ph idx="1" type="body"/>
@@ -11890,12 +12725,64 @@
               <a:buNone/>
             </a:pPr>
             <a:r>
+              <a:t/>
+            </a:r>
+            <a:endParaRPr/>
+          </a:p>
+          <a:p>
+            <a:pPr lvl="0" rtl="0">
+              <a:spcBef>
+                <a:spcPts val="0"/>
+              </a:spcBef>
+              <a:buNone/>
+            </a:pPr>
+            <a:r>
+              <a:t/>
+            </a:r>
+            <a:endParaRPr/>
+          </a:p>
+          <a:p>
+            <a:pPr lvl="0" rtl="0">
+              <a:spcBef>
+                <a:spcPts val="0"/>
+              </a:spcBef>
+              <a:buNone/>
+            </a:pPr>
+            <a:r>
               <a:rPr lang="en"/>
-              <a:t>Перед применением подставного объекта он подвергается настройке, в ходе которой задается ожидаемый сценарий его взаимодействия с тестируемым модулем.</a:t>
-            </a:r>
-          </a:p>
-        </p:txBody>
-      </p:sp>
+              <a:t>Назначение - запись всех данных, приходящих от модуля, чтобы потом предоставить полный отчет тестовой системе, которая анализирует эти данные и принимает решение об успешности теста.</a:t>
+            </a:r>
+          </a:p>
+        </p:txBody>
+      </p:sp>
+      <p:pic>
+        <p:nvPicPr>
+          <p:cNvPr id="247" name="Shape 247"/>
+          <p:cNvPicPr preferRelativeResize="0"/>
+          <p:nvPr/>
+        </p:nvPicPr>
+        <p:blipFill>
+          <a:blip r:embed="rId3">
+            <a:alphaModFix/>
+          </a:blip>
+          <a:stretch>
+            <a:fillRect/>
+          </a:stretch>
+        </p:blipFill>
+        <p:spPr>
+          <a:xfrm>
+            <a:off x="5775625" y="330625"/>
+            <a:ext cx="2171224" cy="1966499"/>
+          </a:xfrm>
+          <a:prstGeom prst="rect">
+            <a:avLst/>
+          </a:prstGeom>
+          <a:noFill/>
+          <a:ln>
+            <a:noFill/>
+          </a:ln>
+        </p:spPr>
+      </p:pic>
     </p:spTree>
   </p:cSld>
   <p:clrMapOvr>
@@ -11955,7 +12842,7 @@
             </a:pPr>
             <a:r>
               <a:rPr lang="en"/>
-              <a:t>Поддельный объект</a:t>
+              <a:t>Подставной объект (Mock)</a:t>
             </a:r>
           </a:p>
         </p:txBody>
@@ -11982,6 +12869,18 @@
             <a:noAutofit/>
           </a:bodyPr>
           <a:lstStyle/>
+          <a:p>
+            <a:pPr lvl="0" rtl="0">
+              <a:spcBef>
+                <a:spcPts val="0"/>
+              </a:spcBef>
+              <a:buNone/>
+            </a:pPr>
+            <a:r>
+              <a:rPr lang="en"/>
+              <a:t>Подставной объект соединят в себе функциональность тестового агента и тестовой заглушки.</a:t>
+            </a:r>
+          </a:p>
           <a:p>
             <a:pPr lvl="0" rtl="0">
               <a:spcBef>
@@ -11996,20 +12895,20 @@
             </a:pPr>
             <a:r>
               <a:rPr lang="en"/>
-              <a:t>Поддельный объект — это облегченная реализация настоящего объекта, которая предоставляет клиенту сходную функциональность.</a:t>
-            </a:r>
-          </a:p>
-          <a:p>
-            <a:pPr lvl="0" rtl="0">
-              <a:spcBef>
-                <a:spcPts val="0"/>
-              </a:spcBef>
-              <a:buNone/>
-            </a:pPr>
-            <a:r>
-              <a:rPr lang="en" sz="2400"/>
-              <a:t>Например, «поддельная СУБД» может сохранять небольшое количество данных прямо в оперативной памяти, выполнять поиск и другие операции над этими данными. </a:t>
-            </a:r>
+              <a:t>Он может использоваться для контроля как опосредованного ввода, так и опосредованного вывода.</a:t>
+            </a:r>
+          </a:p>
+          <a:p>
+            <a:pPr>
+              <a:spcBef>
+                <a:spcPts val="0"/>
+              </a:spcBef>
+              <a:buNone/>
+            </a:pPr>
+            <a:r>
+              <a:t/>
+            </a:r>
+            <a:endParaRPr/>
           </a:p>
         </p:txBody>
       </p:sp>
@@ -12072,7 +12971,7 @@
             </a:pPr>
             <a:r>
               <a:rPr lang="en"/>
-              <a:t>Объект-заглушка</a:t>
+              <a:t>Подставной объект (Mock)</a:t>
             </a:r>
           </a:p>
         </p:txBody>
@@ -12104,46 +13003,12 @@
               <a:spcBef>
                 <a:spcPts val="0"/>
               </a:spcBef>
-              <a:buClr>
-                <a:schemeClr val="dk1"/>
-              </a:buClr>
-              <a:buSzPct val="36666"/>
-              <a:buFont typeface="Arial"/>
               <a:buNone/>
             </a:pPr>
             <a:r>
               <a:rPr lang="en"/>
-              <a:t>Используется для передачи в методы, требующие объект с определенной сигнатурой, если этот объект сложно создать в коде теста.</a:t>
-            </a:r>
-          </a:p>
-          <a:p>
-            <a:pPr lvl="0" rtl="0">
-              <a:spcBef>
-                <a:spcPts val="0"/>
-              </a:spcBef>
-              <a:buClr>
-                <a:schemeClr val="dk1"/>
-              </a:buClr>
-              <a:buSzPct val="36666"/>
-              <a:buFont typeface="Arial"/>
-              <a:buNone/>
-            </a:pPr>
-            <a:r>
-              <a:rPr lang="en"/>
-              <a:t>Объект-заглушка имеет схожий интерфейс, но упрощенную реализацию и прост для операций в коде теста.</a:t>
-            </a:r>
-          </a:p>
-          <a:p>
-            <a:pPr>
-              <a:spcBef>
-                <a:spcPts val="0"/>
-              </a:spcBef>
-              <a:buNone/>
-            </a:pPr>
-            <a:r>
-              <a:t/>
-            </a:r>
-            <a:endParaRPr/>
+              <a:t>Перед применением подставного объекта он подвергается настройке, в ходе которой задается ожидаемый сценарий его взаимодействия с тестируемым модулем.</a:t>
+            </a:r>
           </a:p>
         </p:txBody>
       </p:sp>
@@ -12354,7 +13219,7 @@
           </a:bodyPr>
           <a:lstStyle/>
           <a:p>
-            <a:pPr>
+            <a:pPr lvl="0" rtl="0">
               <a:spcBef>
                 <a:spcPts val="0"/>
               </a:spcBef>
@@ -12362,7 +13227,7 @@
             </a:pPr>
             <a:r>
               <a:rPr lang="en"/>
-              <a:t>Stub / Mock</a:t>
+              <a:t>Поддельный объект</a:t>
             </a:r>
           </a:p>
         </p:txBody>
@@ -12390,15 +13255,32 @@
           </a:bodyPr>
           <a:lstStyle/>
           <a:p>
-            <a:pPr>
-              <a:spcBef>
-                <a:spcPts val="0"/>
-              </a:spcBef>
+            <a:pPr lvl="0" rtl="0">
+              <a:spcBef>
+                <a:spcPts val="0"/>
+              </a:spcBef>
+              <a:buClr>
+                <a:schemeClr val="dk1"/>
+              </a:buClr>
+              <a:buSzPct val="36666"/>
+              <a:buFont typeface="Arial"/>
               <a:buNone/>
             </a:pPr>
             <a:r>
               <a:rPr lang="en"/>
-              <a:t>тестовые дублеры не способны заменить реальные модули при нормальной работе приложения.</a:t>
+              <a:t>Поддельный объект — это облегченная реализация настоящего объекта, которая предоставляет клиенту сходную функциональность.</a:t>
+            </a:r>
+          </a:p>
+          <a:p>
+            <a:pPr lvl="0" rtl="0">
+              <a:spcBef>
+                <a:spcPts val="0"/>
+              </a:spcBef>
+              <a:buNone/>
+            </a:pPr>
+            <a:r>
+              <a:rPr lang="en" sz="2400"/>
+              <a:t>Например, «поддельная СУБД» может сохранять небольшое количество данных прямо в оперативной памяти, выполнять поиск и другие операции над этими данными. </a:t>
             </a:r>
           </a:p>
         </p:txBody>
@@ -12454,7 +13336,7 @@
           </a:bodyPr>
           <a:lstStyle/>
           <a:p>
-            <a:pPr>
+            <a:pPr lvl="0" rtl="0">
               <a:spcBef>
                 <a:spcPts val="0"/>
               </a:spcBef>
@@ -12462,7 +13344,7 @@
             </a:pPr>
             <a:r>
               <a:rPr lang="en"/>
-              <a:t>Подробнее</a:t>
+              <a:t>Объект-заглушка</a:t>
             </a:r>
           </a:p>
         </p:txBody>
@@ -12490,6 +13372,40 @@
           </a:bodyPr>
           <a:lstStyle/>
           <a:p>
+            <a:pPr lvl="0" rtl="0">
+              <a:spcBef>
+                <a:spcPts val="0"/>
+              </a:spcBef>
+              <a:buClr>
+                <a:schemeClr val="dk1"/>
+              </a:buClr>
+              <a:buSzPct val="36666"/>
+              <a:buFont typeface="Arial"/>
+              <a:buNone/>
+            </a:pPr>
+            <a:r>
+              <a:rPr lang="en"/>
+              <a:t>Используется для передачи в методы, требующие объект с определенной сигнатурой, если этот объект сложно создать в коде теста.</a:t>
+            </a:r>
+          </a:p>
+          <a:p>
+            <a:pPr lvl="0" rtl="0">
+              <a:spcBef>
+                <a:spcPts val="0"/>
+              </a:spcBef>
+              <a:buClr>
+                <a:schemeClr val="dk1"/>
+              </a:buClr>
+              <a:buSzPct val="36666"/>
+              <a:buFont typeface="Arial"/>
+              <a:buNone/>
+            </a:pPr>
+            <a:r>
+              <a:rPr lang="en"/>
+              <a:t>Объект-заглушка имеет схожий интерфейс, но упрощенную реализацию и прост для операций в коде теста.</a:t>
+            </a:r>
+          </a:p>
+          <a:p>
             <a:pPr>
               <a:spcBef>
                 <a:spcPts val="0"/>
@@ -12497,14 +13413,9 @@
               <a:buNone/>
             </a:pPr>
             <a:r>
-              <a:rPr lang="en" u="sng">
-                <a:solidFill>
-                  <a:schemeClr val="hlink"/>
-                </a:solidFill>
-                <a:hlinkClick r:id="rId3"/>
-              </a:rPr>
-              <a:t>http://googletesting.blogspot.ru/2008/06/tott-friends-you-can-depend-on.html</a:t>
-            </a:r>
+              <a:t/>
+            </a:r>
+            <a:endParaRPr/>
           </a:p>
         </p:txBody>
       </p:sp>
@@ -12567,7 +13478,7 @@
             </a:pPr>
             <a:r>
               <a:rPr lang="en"/>
-              <a:t>Demo</a:t>
+              <a:t>Stub / Mock</a:t>
             </a:r>
           </a:p>
         </p:txBody>
@@ -12595,91 +13506,6 @@
           </a:bodyPr>
           <a:lstStyle/>
           <a:p>
-            <a:pPr lvl="0" rtl="0">
-              <a:spcBef>
-                <a:spcPts val="0"/>
-              </a:spcBef>
-              <a:buClr>
-                <a:schemeClr val="dk1"/>
-              </a:buClr>
-              <a:buSzPct val="78571"/>
-              <a:buFont typeface="Arial"/>
-              <a:buNone/>
-            </a:pPr>
-            <a:r>
-              <a:rPr lang="en" sz="1400"/>
-              <a:t>stub для конструктора - save + throw unimplemented</a:t>
-            </a:r>
-          </a:p>
-          <a:p>
-            <a:pPr lvl="0" rtl="0">
-              <a:spcBef>
-                <a:spcPts val="0"/>
-              </a:spcBef>
-              <a:buClr>
-                <a:schemeClr val="dk1"/>
-              </a:buClr>
-              <a:buSzPct val="78571"/>
-              <a:buFont typeface="Arial"/>
-              <a:buNone/>
-            </a:pPr>
-            <a:r>
-              <a:rPr lang="en" sz="1400"/>
-              <a:t>шпион - был ли вызван save</a:t>
-            </a:r>
-          </a:p>
-          <a:p>
-            <a:pPr lvl="0" rtl="0">
-              <a:spcBef>
-                <a:spcPts val="0"/>
-              </a:spcBef>
-              <a:buClr>
-                <a:schemeClr val="dk1"/>
-              </a:buClr>
-              <a:buSzPct val="78571"/>
-              <a:buFont typeface="Arial"/>
-              <a:buNone/>
-            </a:pPr>
-            <a:r>
-              <a:rPr lang="en" sz="1400"/>
-              <a:t>mock - запись порядка вызовов и сверка</a:t>
-            </a:r>
-          </a:p>
-          <a:p>
-            <a:pPr lvl="0" rtl="0">
-              <a:spcBef>
-                <a:spcPts val="0"/>
-              </a:spcBef>
-              <a:buClr>
-                <a:schemeClr val="dk1"/>
-              </a:buClr>
-              <a:buSzPct val="78571"/>
-              <a:buFont typeface="Arial"/>
-              <a:buNone/>
-            </a:pPr>
-            <a:r>
-              <a:rPr lang="en" sz="1400"/>
-              <a:t>возврат значений - total</a:t>
-            </a:r>
-          </a:p>
-          <a:p>
-            <a:pPr lvl="0" rtl="0">
-              <a:spcBef>
-                <a:spcPts val="0"/>
-              </a:spcBef>
-              <a:buClr>
-                <a:schemeClr val="dk1"/>
-              </a:buClr>
-              <a:buSzPct val="78571"/>
-              <a:buFont typeface="Arial"/>
-              <a:buNone/>
-            </a:pPr>
-            <a:r>
-              <a:rPr lang="en" sz="1400"/>
-              <a:t>имитация - бд в памяти</a:t>
-            </a:r>
-          </a:p>
-          <a:p>
             <a:pPr>
               <a:spcBef>
                 <a:spcPts val="0"/>
@@ -12687,9 +13513,9 @@
               <a:buNone/>
             </a:pPr>
             <a:r>
-              <a:t/>
-            </a:r>
-            <a:endParaRPr sz="1400"/>
+              <a:rPr lang="en"/>
+              <a:t>тестовые дублеры не способны заменить реальные модули при нормальной работе приложения.</a:t>
+            </a:r>
           </a:p>
         </p:txBody>
       </p:sp>
@@ -12752,7 +13578,7 @@
             </a:pPr>
             <a:r>
               <a:rPr lang="en"/>
-              <a:t>Какие тесты писать?</a:t>
+              <a:t>Примеры</a:t>
             </a:r>
           </a:p>
         </p:txBody>
@@ -12780,54 +13606,20 @@
           </a:bodyPr>
           <a:lstStyle/>
           <a:p>
-            <a:pPr indent="-419100" lvl="0" marL="457200" rtl="0">
-              <a:spcBef>
-                <a:spcPts val="0"/>
-              </a:spcBef>
-              <a:buClr>
-                <a:schemeClr val="lt1"/>
-              </a:buClr>
-              <a:buSzPct val="100000"/>
-              <a:buFont typeface="Arial"/>
-              <a:buChar char="●"/>
-            </a:pPr>
-            <a:r>
-              <a:rPr lang="en"/>
-              <a:t>Основной сценарий</a:t>
-            </a:r>
-          </a:p>
-          <a:p>
-            <a:pPr indent="-419100" lvl="0" marL="457200" rtl="0">
-              <a:spcBef>
-                <a:spcPts val="0"/>
-              </a:spcBef>
-              <a:buClr>
-                <a:schemeClr val="lt1"/>
-              </a:buClr>
-              <a:buSzPct val="100000"/>
-              <a:buFont typeface="Arial"/>
-              <a:buChar char="●"/>
-            </a:pPr>
-            <a:r>
-              <a:rPr lang="en"/>
-              <a:t>Крайние случаи</a:t>
-            </a:r>
-          </a:p>
-          <a:p>
-            <a:pPr indent="-419100" lvl="0" marL="457200">
-              <a:spcBef>
-                <a:spcPts val="0"/>
-              </a:spcBef>
-              <a:buClr>
-                <a:schemeClr val="lt1"/>
-              </a:buClr>
-              <a:buSzPct val="100000"/>
-              <a:buFont typeface="Arial"/>
-              <a:buChar char="●"/>
-            </a:pPr>
-            <a:r>
-              <a:rPr lang="en"/>
-              <a:t>Code coverage</a:t>
+            <a:pPr>
+              <a:spcBef>
+                <a:spcPts val="0"/>
+              </a:spcBef>
+              <a:buNone/>
+            </a:pPr>
+            <a:r>
+              <a:rPr lang="en" u="sng">
+                <a:solidFill>
+                  <a:schemeClr val="hlink"/>
+                </a:solidFill>
+                <a:hlinkClick r:id="rId3"/>
+              </a:rPr>
+              <a:t>http://googletesting.blogspot.ru/2008/06/tott-friends-you-can-depend-on.html</a:t>
             </a:r>
           </a:p>
         </p:txBody>
@@ -12883,7 +13675,7 @@
           </a:bodyPr>
           <a:lstStyle/>
           <a:p>
-            <a:pPr lvl="0" rtl="0">
+            <a:pPr>
               <a:spcBef>
                 <a:spcPts val="0"/>
               </a:spcBef>
@@ -12891,7 +13683,7 @@
             </a:pPr>
             <a:r>
               <a:rPr lang="en"/>
-              <a:t>Сколько тестов писать?</a:t>
+              <a:t>Demo</a:t>
             </a:r>
           </a:p>
         </p:txBody>
@@ -12919,72 +13711,101 @@
           </a:bodyPr>
           <a:lstStyle/>
           <a:p>
-            <a:pPr indent="-419100" lvl="0" marL="457200" rtl="0">
+            <a:pPr lvl="0" rtl="0">
               <a:spcBef>
                 <a:spcPts val="0"/>
               </a:spcBef>
               <a:buClr>
-                <a:schemeClr val="lt1"/>
+                <a:schemeClr val="dk1"/>
               </a:buClr>
-              <a:buSzPct val="100000"/>
+              <a:buSzPct val="78571"/>
               <a:buFont typeface="Arial"/>
-              <a:buChar char="●"/>
-            </a:pPr>
-            <a:r>
-              <a:rPr lang="en"/>
-              <a:t>“Вы никогда не найдете 100% ошибок”</a:t>
-            </a:r>
-          </a:p>
-          <a:p>
-            <a:pPr indent="-419100" lvl="0" marL="457200" rtl="0">
+              <a:buNone/>
+            </a:pPr>
+            <a:r>
+              <a:rPr lang="en" sz="1400"/>
+              <a:t>stub для конструктора - save + throw unimplemented</a:t>
+            </a:r>
+          </a:p>
+          <a:p>
+            <a:pPr lvl="0" rtl="0">
               <a:spcBef>
                 <a:spcPts val="0"/>
               </a:spcBef>
               <a:buClr>
-                <a:schemeClr val="lt1"/>
+                <a:schemeClr val="dk1"/>
               </a:buClr>
-              <a:buSzPct val="100000"/>
+              <a:buSzPct val="78571"/>
               <a:buFont typeface="Arial"/>
-              <a:buChar char="●"/>
-            </a:pPr>
-            <a:r>
-              <a:rPr lang="en"/>
-              <a:t>Подход 100% покрытия тестами</a:t>
-            </a:r>
-          </a:p>
-          <a:p>
-            <a:pPr indent="-419100" lvl="0" marL="457200" rtl="0">
+              <a:buNone/>
+            </a:pPr>
+            <a:r>
+              <a:rPr lang="en" sz="1400"/>
+              <a:t>шпион - был ли вызван save</a:t>
+            </a:r>
+          </a:p>
+          <a:p>
+            <a:pPr lvl="0" rtl="0">
               <a:spcBef>
                 <a:spcPts val="0"/>
               </a:spcBef>
               <a:buClr>
-                <a:schemeClr val="lt1"/>
+                <a:schemeClr val="dk1"/>
               </a:buClr>
-              <a:buSzPct val="100000"/>
+              <a:buSzPct val="78571"/>
               <a:buFont typeface="Arial"/>
-              <a:buChar char="●"/>
-            </a:pPr>
-            <a:r>
-              <a:rPr lang="en"/>
-              <a:t>Подход выделения части времени на написание тестов</a:t>
-            </a:r>
-          </a:p>
-          <a:p>
-            <a:pPr indent="-419100" lvl="0" marL="457200" rtl="0">
+              <a:buNone/>
+            </a:pPr>
+            <a:r>
+              <a:rPr lang="en" sz="1400"/>
+              <a:t>mock - запись порядка вызовов и сверка</a:t>
+            </a:r>
+          </a:p>
+          <a:p>
+            <a:pPr lvl="0" rtl="0">
               <a:spcBef>
                 <a:spcPts val="0"/>
               </a:spcBef>
               <a:buClr>
-                <a:schemeClr val="lt1"/>
+                <a:schemeClr val="dk1"/>
               </a:buClr>
-              <a:buSzPct val="100000"/>
+              <a:buSzPct val="78571"/>
               <a:buFont typeface="Arial"/>
-              <a:buChar char="●"/>
-            </a:pPr>
-            <a:r>
-              <a:rPr lang="en"/>
-              <a:t>Регрессионные тесты - пишутся перед исправлением найденной ошибки</a:t>
-            </a:r>
+              <a:buNone/>
+            </a:pPr>
+            <a:r>
+              <a:rPr lang="en" sz="1400"/>
+              <a:t>возврат значений - total</a:t>
+            </a:r>
+          </a:p>
+          <a:p>
+            <a:pPr lvl="0" rtl="0">
+              <a:spcBef>
+                <a:spcPts val="0"/>
+              </a:spcBef>
+              <a:buClr>
+                <a:schemeClr val="dk1"/>
+              </a:buClr>
+              <a:buSzPct val="78571"/>
+              <a:buFont typeface="Arial"/>
+              <a:buNone/>
+            </a:pPr>
+            <a:r>
+              <a:rPr lang="en" sz="1400"/>
+              <a:t>имитация - бд в памяти</a:t>
+            </a:r>
+          </a:p>
+          <a:p>
+            <a:pPr>
+              <a:spcBef>
+                <a:spcPts val="0"/>
+              </a:spcBef>
+              <a:buNone/>
+            </a:pPr>
+            <a:r>
+              <a:t/>
+            </a:r>
+            <a:endParaRPr sz="1400"/>
           </a:p>
         </p:txBody>
       </p:sp>
@@ -13047,7 +13868,7 @@
             </a:pPr>
             <a:r>
               <a:rPr lang="en"/>
-              <a:t>Именование тестов</a:t>
+              <a:t>Какие тесты писать?</a:t>
             </a:r>
           </a:p>
         </p:txBody>
@@ -13075,134 +13896,55 @@
           </a:bodyPr>
           <a:lstStyle/>
           <a:p>
-            <a:pPr lvl="0" rtl="0">
+            <a:pPr indent="-419100" lvl="0" marL="457200" rtl="0">
               <a:spcBef>
                 <a:spcPts val="0"/>
               </a:spcBef>
               <a:buClr>
-                <a:schemeClr val="dk1"/>
+                <a:schemeClr val="lt1"/>
               </a:buClr>
-              <a:buSzPct val="61111"/>
+              <a:buSzPct val="100000"/>
               <a:buFont typeface="Arial"/>
-              <a:buNone/>
-            </a:pPr>
-            <a:r>
-              <a:rPr lang="en" sz="1800"/>
-              <a:t>class HtmlLinkRewriterTest ... {</a:t>
-            </a:r>
-          </a:p>
-          <a:p>
-            <a:pPr lvl="0" rtl="0">
+              <a:buChar char="●"/>
+            </a:pPr>
+            <a:r>
+              <a:rPr lang="en"/>
+              <a:t>Основной сценарий</a:t>
+            </a:r>
+          </a:p>
+          <a:p>
+            <a:pPr indent="-419100" lvl="0" marL="457200" rtl="0">
               <a:spcBef>
                 <a:spcPts val="0"/>
               </a:spcBef>
               <a:buClr>
-                <a:schemeClr val="dk1"/>
+                <a:schemeClr val="lt1"/>
               </a:buClr>
-              <a:buSzPct val="61111"/>
+              <a:buSzPct val="100000"/>
               <a:buFont typeface="Arial"/>
-              <a:buNone/>
-            </a:pPr>
-            <a:r>
-              <a:rPr lang="en" sz="1800"/>
-              <a:t> void testAppendsAdditionalParameterToUrlsInHrefAttributes(){…}</a:t>
-            </a:r>
-          </a:p>
-          <a:p>
-            <a:pPr lvl="0" rtl="0">
+              <a:buChar char="●"/>
+            </a:pPr>
+            <a:r>
+              <a:rPr lang="en"/>
+              <a:t>Крайние случаи</a:t>
+            </a:r>
+          </a:p>
+          <a:p>
+            <a:pPr indent="-419100" lvl="0" marL="457200">
               <a:spcBef>
                 <a:spcPts val="0"/>
               </a:spcBef>
               <a:buClr>
-                <a:schemeClr val="dk1"/>
+                <a:schemeClr val="lt1"/>
               </a:buClr>
-              <a:buSzPct val="61111"/>
+              <a:buSzPct val="100000"/>
               <a:buFont typeface="Arial"/>
-              <a:buNone/>
-            </a:pPr>
-            <a:r>
-              <a:rPr lang="en" sz="1800"/>
-              <a:t> void testDoesNotRewriteImageOrJavascriptLinks(){…}</a:t>
-            </a:r>
-          </a:p>
-          <a:p>
-            <a:pPr lvl="0" rtl="0">
-              <a:spcBef>
-                <a:spcPts val="0"/>
-              </a:spcBef>
-              <a:buClr>
-                <a:schemeClr val="dk1"/>
-              </a:buClr>
-              <a:buSzPct val="61111"/>
-              <a:buFont typeface="Arial"/>
-              <a:buNone/>
-            </a:pPr>
-            <a:r>
-              <a:rPr lang="en" sz="1800"/>
-              <a:t> void testThrowsExceptionIfHrefContainsSessionId(){…}</a:t>
-            </a:r>
-          </a:p>
-          <a:p>
-            <a:pPr lvl="0" rtl="0">
-              <a:spcBef>
-                <a:spcPts val="0"/>
-              </a:spcBef>
-              <a:buClr>
-                <a:schemeClr val="dk1"/>
-              </a:buClr>
-              <a:buSzPct val="61111"/>
-              <a:buFont typeface="Arial"/>
-              <a:buNone/>
-            </a:pPr>
-            <a:r>
-              <a:rPr lang="en" sz="1800"/>
-              <a:t> void testEncodesParameterValue(){…}</a:t>
-            </a:r>
-          </a:p>
-          <a:p>
-            <a:pPr lvl="0" rtl="0">
-              <a:spcBef>
-                <a:spcPts val="0"/>
-              </a:spcBef>
-              <a:buClr>
-                <a:schemeClr val="dk1"/>
-              </a:buClr>
-              <a:buSzPct val="61111"/>
-              <a:buFont typeface="Arial"/>
-              <a:buNone/>
-            </a:pPr>
-            <a:r>
-              <a:rPr lang="en" sz="1800"/>
-              <a:t> }</a:t>
-            </a:r>
-          </a:p>
-          <a:p>
-            <a:pPr lvl="0" rtl="0">
-              <a:spcBef>
-                <a:spcPts val="0"/>
-              </a:spcBef>
-              <a:buClr>
-                <a:schemeClr val="dk1"/>
-              </a:buClr>
-              <a:buFont typeface="Arial"/>
-              <a:buNone/>
-            </a:pPr>
-            <a:r>
-              <a:t/>
-            </a:r>
-            <a:endParaRPr sz="1800"/>
-          </a:p>
-          <a:p>
-            <a:pPr>
-              <a:spcBef>
-                <a:spcPts val="0"/>
-              </a:spcBef>
-              <a:buNone/>
-            </a:pPr>
-            <a:r>
-              <a:t/>
-            </a:r>
-            <a:endParaRPr sz="1800"/>
+              <a:buChar char="●"/>
+            </a:pPr>
+            <a:r>
+              <a:rPr lang="en"/>
+              <a:t>Code coverage</a:t>
+            </a:r>
           </a:p>
         </p:txBody>
       </p:sp>
@@ -13257,7 +13999,7 @@
           </a:bodyPr>
           <a:lstStyle/>
           <a:p>
-            <a:pPr lvl="0">
+            <a:pPr lvl="0" rtl="0">
               <a:spcBef>
                 <a:spcPts val="0"/>
               </a:spcBef>
@@ -13265,7 +14007,7 @@
             </a:pPr>
             <a:r>
               <a:rPr lang="en"/>
-              <a:t>Именование тестов</a:t>
+              <a:t>Сколько тестов писать?</a:t>
             </a:r>
           </a:p>
         </p:txBody>
@@ -13293,71 +14035,71 @@
           </a:bodyPr>
           <a:lstStyle/>
           <a:p>
-            <a:pPr lvl="0" rtl="0">
+            <a:pPr indent="-419100" lvl="0" marL="457200" rtl="0">
               <a:spcBef>
                 <a:spcPts val="0"/>
               </a:spcBef>
               <a:buClr>
-                <a:schemeClr val="dk1"/>
+                <a:schemeClr val="lt1"/>
               </a:buClr>
-              <a:buSzPct val="45833"/>
+              <a:buSzPct val="100000"/>
               <a:buFont typeface="Arial"/>
-              <a:buNone/>
-            </a:pPr>
-            <a:r>
-              <a:rPr lang="en" sz="2400"/>
-              <a:t>HtmlLinkRewriter appends additional parameter to URLs in href attributes.</a:t>
-            </a:r>
-          </a:p>
-          <a:p>
-            <a:pPr lvl="0" rtl="0">
+              <a:buChar char="●"/>
+            </a:pPr>
+            <a:r>
+              <a:rPr lang="en"/>
+              <a:t>“Вы никогда не найдете 100% ошибок”</a:t>
+            </a:r>
+          </a:p>
+          <a:p>
+            <a:pPr indent="-419100" lvl="0" marL="457200" rtl="0">
               <a:spcBef>
                 <a:spcPts val="0"/>
               </a:spcBef>
               <a:buClr>
-                <a:schemeClr val="dk1"/>
+                <a:schemeClr val="lt1"/>
               </a:buClr>
-              <a:buSzPct val="45833"/>
+              <a:buSzPct val="100000"/>
               <a:buFont typeface="Arial"/>
-              <a:buNone/>
-            </a:pPr>
-            <a:r>
-              <a:rPr lang="en" sz="2400"/>
-              <a:t>HtmlLinkRewriter does not rewrite image or JavaScript links.</a:t>
-            </a:r>
-          </a:p>
-          <a:p>
-            <a:pPr lvl="0" rtl="0">
+              <a:buChar char="●"/>
+            </a:pPr>
+            <a:r>
+              <a:rPr lang="en"/>
+              <a:t>Подход 100% покрытия тестами</a:t>
+            </a:r>
+          </a:p>
+          <a:p>
+            <a:pPr indent="-419100" lvl="0" marL="457200" rtl="0">
               <a:spcBef>
                 <a:spcPts val="0"/>
               </a:spcBef>
               <a:buClr>
-                <a:schemeClr val="dk1"/>
+                <a:schemeClr val="lt1"/>
               </a:buClr>
-              <a:buSzPct val="45833"/>
+              <a:buSzPct val="100000"/>
               <a:buFont typeface="Arial"/>
-              <a:buNone/>
-            </a:pPr>
-            <a:r>
-              <a:rPr lang="en" sz="2400"/>
-              <a:t>HtmlLinkRewriter throws exception if href contains session ID.</a:t>
-            </a:r>
-          </a:p>
-          <a:p>
-            <a:pPr lvl="0">
+              <a:buChar char="●"/>
+            </a:pPr>
+            <a:r>
+              <a:rPr lang="en"/>
+              <a:t>Подход выделения части времени на написание тестов</a:t>
+            </a:r>
+          </a:p>
+          <a:p>
+            <a:pPr indent="-419100" lvl="0" marL="457200" rtl="0">
               <a:spcBef>
                 <a:spcPts val="0"/>
               </a:spcBef>
               <a:buClr>
-                <a:schemeClr val="dk1"/>
+                <a:schemeClr val="lt1"/>
               </a:buClr>
-              <a:buSzPct val="45833"/>
+              <a:buSzPct val="100000"/>
               <a:buFont typeface="Arial"/>
-              <a:buNone/>
-            </a:pPr>
-            <a:r>
-              <a:rPr lang="en" sz="2400"/>
-              <a:t>HtmlLinkRewriter encodes parameter value. </a:t>
+              <a:buChar char="●"/>
+            </a:pPr>
+            <a:r>
+              <a:rPr lang="en"/>
+              <a:t>Регрессионные тесты - пишутся перед исправлением найденной ошибки</a:t>
             </a:r>
           </a:p>
         </p:txBody>
@@ -13413,7 +14155,7 @@
           </a:bodyPr>
           <a:lstStyle/>
           <a:p>
-            <a:pPr lvl="0" rtl="0">
+            <a:pPr>
               <a:spcBef>
                 <a:spcPts val="0"/>
               </a:spcBef>
@@ -13421,57 +14163,159 @@
             </a:pPr>
             <a:r>
               <a:rPr lang="en"/>
-              <a:t>Вопросы</a:t>
-            </a:r>
-          </a:p>
-        </p:txBody>
-      </p:sp>
-      <p:pic>
-        <p:nvPicPr>
+              <a:t>ИТ/ФТ</a:t>
+            </a:r>
+          </a:p>
+        </p:txBody>
+      </p:sp>
+      <p:sp>
+        <p:nvSpPr>
           <p:cNvPr id="307" name="Shape 307"/>
-          <p:cNvPicPr preferRelativeResize="0"/>
-          <p:nvPr/>
-        </p:nvPicPr>
-        <p:blipFill>
-          <a:blip r:embed="rId3">
-            <a:alphaModFix/>
-          </a:blip>
-          <a:stretch>
-            <a:fillRect/>
-          </a:stretch>
-        </p:blipFill>
-        <p:spPr>
-          <a:xfrm>
-            <a:off x="3752850" y="2088750"/>
-            <a:ext cx="1316199" cy="1316199"/>
-          </a:xfrm>
-          <a:prstGeom prst="rect">
-            <a:avLst/>
-          </a:prstGeom>
-          <a:noFill/>
-          <a:ln>
-            <a:noFill/>
-          </a:ln>
-        </p:spPr>
-      </p:pic>
-      <p:sp>
-        <p:nvSpPr>
-          <p:cNvPr id="308" name="Shape 308"/>
-          <p:cNvSpPr txBox="1"/>
-          <p:nvPr/>
-        </p:nvSpPr>
-        <p:spPr>
-          <a:xfrm>
-            <a:off x="5157025" y="4006525"/>
-            <a:ext cx="3529799" cy="751200"/>
-          </a:xfrm>
-          <a:prstGeom prst="rect">
-            <a:avLst/>
-          </a:prstGeom>
-          <a:noFill/>
-          <a:ln>
-            <a:noFill/>
-          </a:ln>
+          <p:cNvSpPr txBox="1"/>
+          <p:nvPr>
+            <p:ph idx="1" type="body"/>
+          </p:nvPr>
+        </p:nvSpPr>
+        <p:spPr>
+          <a:xfrm>
+            <a:off x="457200" y="1200150"/>
+            <a:ext cx="8229600" cy="3725699"/>
+          </a:xfrm>
+          <a:prstGeom prst="rect">
+            <a:avLst/>
+          </a:prstGeom>
+        </p:spPr>
+        <p:txBody>
+          <a:bodyPr anchorCtr="0" anchor="t" bIns="91425" lIns="91425" rIns="91425" tIns="91425">
+            <a:noAutofit/>
+          </a:bodyPr>
+          <a:lstStyle/>
+          <a:p>
+            <a:pPr indent="-419100" lvl="0" marL="457200" rtl="0">
+              <a:spcBef>
+                <a:spcPts val="0"/>
+              </a:spcBef>
+              <a:buClr>
+                <a:schemeClr val="lt1"/>
+              </a:buClr>
+              <a:buSzPct val="100000"/>
+              <a:buFont typeface="Arial"/>
+              <a:buChar char="●"/>
+            </a:pPr>
+            <a:r>
+              <a:rPr lang="en"/>
+              <a:t>Запуск системы со всеми модулями</a:t>
+            </a:r>
+          </a:p>
+          <a:p>
+            <a:pPr indent="-419100" lvl="0" marL="457200" rtl="0">
+              <a:spcBef>
+                <a:spcPts val="0"/>
+              </a:spcBef>
+              <a:buClr>
+                <a:schemeClr val="lt1"/>
+              </a:buClr>
+              <a:buSzPct val="100000"/>
+              <a:buFont typeface="Arial"/>
+              <a:buChar char="●"/>
+            </a:pPr>
+            <a:r>
+              <a:rPr lang="en"/>
+              <a:t>Тестирование групп модулей</a:t>
+            </a:r>
+          </a:p>
+          <a:p>
+            <a:pPr rtl="0">
+              <a:spcBef>
+                <a:spcPts val="0"/>
+              </a:spcBef>
+              <a:buNone/>
+            </a:pPr>
+            <a:r>
+              <a:t/>
+            </a:r>
+            <a:endParaRPr/>
+          </a:p>
+          <a:p>
+            <a:pPr indent="-419100" lvl="0" marL="457200" rtl="0">
+              <a:spcBef>
+                <a:spcPts val="0"/>
+              </a:spcBef>
+              <a:buClr>
+                <a:schemeClr val="lt1"/>
+              </a:buClr>
+              <a:buSzPct val="100000"/>
+              <a:buFont typeface="Arial"/>
+              <a:buChar char="●"/>
+            </a:pPr>
+            <a:r>
+              <a:rPr lang="en"/>
+              <a:t>Запуск системы со всеми модулями и пользовательским интерфейсом</a:t>
+            </a:r>
+          </a:p>
+          <a:p>
+            <a:pPr indent="-419100" lvl="0" marL="457200">
+              <a:spcBef>
+                <a:spcPts val="0"/>
+              </a:spcBef>
+              <a:buClr>
+                <a:schemeClr val="lt1"/>
+              </a:buClr>
+              <a:buSzPct val="100000"/>
+              <a:buFont typeface="Arial"/>
+              <a:buChar char="●"/>
+            </a:pPr>
+            <a:r>
+              <a:rPr lang="en"/>
+              <a:t>Тестирование отдельных функций, доступных из интерфейса</a:t>
+            </a:r>
+          </a:p>
+        </p:txBody>
+      </p:sp>
+    </p:spTree>
+  </p:cSld>
+  <p:clrMapOvr>
+    <a:masterClrMapping/>
+  </p:clrMapOvr>
+  <p:transition spd="slow">
+    <p:cut/>
+  </p:transition>
+</p:sld>
+</file>
+
+<file path=ppt/slides/slide48.xml><?xml version="1.0" encoding="utf-8"?>
+<p:sld xmlns:a="http://schemas.openxmlformats.org/drawingml/2006/main" xmlns:r="http://schemas.openxmlformats.org/officeDocument/2006/relationships" xmlns:mc="http://schemas.openxmlformats.org/markup-compatibility/2006" xmlns:mv="urn:schemas-microsoft-com:mac:vml" xmlns:p="http://schemas.openxmlformats.org/presentationml/2006/main" xmlns:c="http://schemas.openxmlformats.org/drawingml/2006/chart" xmlns:dgm="http://schemas.openxmlformats.org/drawingml/2006/diagram" xmlns:o="urn:schemas-microsoft-com:office:office" xmlns:v="urn:schemas-microsoft-com:vml" xmlns:pvml="urn:schemas-microsoft-com:office:powerpoint" xmlns:com="http://schemas.openxmlformats.org/drawingml/2006/compatibility" xmlns:p14="http://schemas.microsoft.com/office/powerpoint/2010/main">
+  <p:cSld>
+    <p:spTree>
+      <p:nvGrpSpPr>
+        <p:cNvPr id="311" name="Shape 311"/>
+        <p:cNvGrpSpPr/>
+        <p:nvPr/>
+      </p:nvGrpSpPr>
+      <p:grpSpPr>
+        <a:xfrm>
+          <a:off x="0" y="0"/>
+          <a:ext cx="0" cy="0"/>
+          <a:chOff x="0" y="0"/>
+          <a:chExt cx="0" cy="0"/>
+        </a:xfrm>
+      </p:grpSpPr>
+      <p:sp>
+        <p:nvSpPr>
+          <p:cNvPr id="312" name="Shape 312"/>
+          <p:cNvSpPr txBox="1"/>
+          <p:nvPr>
+            <p:ph type="title"/>
+          </p:nvPr>
+        </p:nvSpPr>
+        <p:spPr>
+          <a:xfrm>
+            <a:off x="457200" y="205978"/>
+            <a:ext cx="8229600" cy="857400"/>
+          </a:xfrm>
+          <a:prstGeom prst="rect">
+            <a:avLst/>
+          </a:prstGeom>
         </p:spPr>
         <p:txBody>
           <a:bodyPr anchorCtr="0" anchor="b" bIns="91425" lIns="91425" rIns="91425" tIns="91425">
@@ -13479,37 +14323,248 @@
           </a:bodyPr>
           <a:lstStyle/>
           <a:p>
-            <a:pPr lvl="0" rtl="0" algn="r">
-              <a:spcBef>
-                <a:spcPts val="0"/>
-              </a:spcBef>
-              <a:buNone/>
-            </a:pPr>
-            <a:r>
-              <a:rPr lang="en" u="sng">
-                <a:solidFill>
-                  <a:schemeClr val="hlink"/>
-                </a:solidFill>
-                <a:hlinkClick r:id="rId4"/>
-              </a:rPr>
-              <a:t>vladimir.p.polyakov@gmail.com</a:t>
-            </a:r>
-          </a:p>
-          <a:p>
-            <a:pPr lvl="0" rtl="0" algn="r">
-              <a:spcBef>
-                <a:spcPts val="0"/>
-              </a:spcBef>
-              <a:buNone/>
-            </a:pPr>
-            <a:r>
-              <a:rPr lang="en" u="sng">
-                <a:solidFill>
-                  <a:schemeClr val="hlink"/>
-                </a:solidFill>
-                <a:hlinkClick r:id="rId5"/>
-              </a:rPr>
-              <a:t>https://github.com/drxaos-edu</a:t>
+            <a:pPr>
+              <a:spcBef>
+                <a:spcPts val="0"/>
+              </a:spcBef>
+              <a:buNone/>
+            </a:pPr>
+            <a:r>
+              <a:rPr lang="en"/>
+              <a:t>Continuous integration</a:t>
+            </a:r>
+          </a:p>
+        </p:txBody>
+      </p:sp>
+      <p:sp>
+        <p:nvSpPr>
+          <p:cNvPr id="313" name="Shape 313"/>
+          <p:cNvSpPr txBox="1"/>
+          <p:nvPr>
+            <p:ph idx="1" type="body"/>
+          </p:nvPr>
+        </p:nvSpPr>
+        <p:spPr>
+          <a:xfrm>
+            <a:off x="457200" y="1200150"/>
+            <a:ext cx="8229600" cy="3725699"/>
+          </a:xfrm>
+          <a:prstGeom prst="rect">
+            <a:avLst/>
+          </a:prstGeom>
+        </p:spPr>
+        <p:txBody>
+          <a:bodyPr anchorCtr="0" anchor="t" bIns="91425" lIns="91425" rIns="91425" tIns="91425">
+            <a:noAutofit/>
+          </a:bodyPr>
+          <a:lstStyle/>
+          <a:p>
+            <a:pPr rtl="0">
+              <a:spcBef>
+                <a:spcPts val="0"/>
+              </a:spcBef>
+              <a:buNone/>
+            </a:pPr>
+            <a:r>
+              <a:rPr lang="en"/>
+              <a:t>(Непрерывная интеграция)</a:t>
+            </a:r>
+          </a:p>
+          <a:p>
+            <a:pPr rtl="0">
+              <a:spcBef>
+                <a:spcPts val="0"/>
+              </a:spcBef>
+              <a:buNone/>
+            </a:pPr>
+            <a:r>
+              <a:t/>
+            </a:r>
+            <a:endParaRPr/>
+          </a:p>
+          <a:p>
+            <a:pPr>
+              <a:spcBef>
+                <a:spcPts val="0"/>
+              </a:spcBef>
+              <a:buNone/>
+            </a:pPr>
+            <a:r>
+              <a:rPr lang="en"/>
+              <a:t>Выполнение частых автоматизированных сборок проекта для скорейшего выявления и решения интеграционных проблем</a:t>
+            </a:r>
+          </a:p>
+        </p:txBody>
+      </p:sp>
+    </p:spTree>
+  </p:cSld>
+  <p:clrMapOvr>
+    <a:masterClrMapping/>
+  </p:clrMapOvr>
+  <p:transition spd="slow">
+    <p:cut/>
+  </p:transition>
+</p:sld>
+</file>
+
+<file path=ppt/slides/slide49.xml><?xml version="1.0" encoding="utf-8"?>
+<p:sld xmlns:a="http://schemas.openxmlformats.org/drawingml/2006/main" xmlns:r="http://schemas.openxmlformats.org/officeDocument/2006/relationships" xmlns:mc="http://schemas.openxmlformats.org/markup-compatibility/2006" xmlns:mv="urn:schemas-microsoft-com:mac:vml" xmlns:p="http://schemas.openxmlformats.org/presentationml/2006/main" xmlns:c="http://schemas.openxmlformats.org/drawingml/2006/chart" xmlns:dgm="http://schemas.openxmlformats.org/drawingml/2006/diagram" xmlns:o="urn:schemas-microsoft-com:office:office" xmlns:v="urn:schemas-microsoft-com:vml" xmlns:pvml="urn:schemas-microsoft-com:office:powerpoint" xmlns:com="http://schemas.openxmlformats.org/drawingml/2006/compatibility" xmlns:p14="http://schemas.microsoft.com/office/powerpoint/2010/main">
+  <p:cSld>
+    <p:spTree>
+      <p:nvGrpSpPr>
+        <p:cNvPr id="317" name="Shape 317"/>
+        <p:cNvGrpSpPr/>
+        <p:nvPr/>
+      </p:nvGrpSpPr>
+      <p:grpSpPr>
+        <a:xfrm>
+          <a:off x="0" y="0"/>
+          <a:ext cx="0" cy="0"/>
+          <a:chOff x="0" y="0"/>
+          <a:chExt cx="0" cy="0"/>
+        </a:xfrm>
+      </p:grpSpPr>
+      <p:sp>
+        <p:nvSpPr>
+          <p:cNvPr id="318" name="Shape 318"/>
+          <p:cNvSpPr txBox="1"/>
+          <p:nvPr>
+            <p:ph type="title"/>
+          </p:nvPr>
+        </p:nvSpPr>
+        <p:spPr>
+          <a:xfrm>
+            <a:off x="457200" y="205978"/>
+            <a:ext cx="8229600" cy="857400"/>
+          </a:xfrm>
+          <a:prstGeom prst="rect">
+            <a:avLst/>
+          </a:prstGeom>
+        </p:spPr>
+        <p:txBody>
+          <a:bodyPr anchorCtr="0" anchor="b" bIns="91425" lIns="91425" rIns="91425" tIns="91425">
+            <a:noAutofit/>
+          </a:bodyPr>
+          <a:lstStyle/>
+          <a:p>
+            <a:pPr lvl="0" rtl="0">
+              <a:spcBef>
+                <a:spcPts val="0"/>
+              </a:spcBef>
+              <a:buNone/>
+            </a:pPr>
+            <a:r>
+              <a:rPr lang="en"/>
+              <a:t>Continuous integration</a:t>
+            </a:r>
+          </a:p>
+        </p:txBody>
+      </p:sp>
+      <p:sp>
+        <p:nvSpPr>
+          <p:cNvPr id="319" name="Shape 319"/>
+          <p:cNvSpPr txBox="1"/>
+          <p:nvPr>
+            <p:ph idx="1" type="body"/>
+          </p:nvPr>
+        </p:nvSpPr>
+        <p:spPr>
+          <a:xfrm>
+            <a:off x="457200" y="1200150"/>
+            <a:ext cx="8229600" cy="3725699"/>
+          </a:xfrm>
+          <a:prstGeom prst="rect">
+            <a:avLst/>
+          </a:prstGeom>
+        </p:spPr>
+        <p:txBody>
+          <a:bodyPr anchorCtr="0" anchor="t" bIns="91425" lIns="91425" rIns="91425" tIns="91425">
+            <a:noAutofit/>
+          </a:bodyPr>
+          <a:lstStyle/>
+          <a:p>
+            <a:pPr indent="-419100" lvl="0" marL="457200" rtl="0">
+              <a:spcBef>
+                <a:spcPts val="0"/>
+              </a:spcBef>
+              <a:buClr>
+                <a:schemeClr val="lt1"/>
+              </a:buClr>
+              <a:buSzPct val="100000"/>
+              <a:buFont typeface="Arial"/>
+              <a:buChar char="●"/>
+            </a:pPr>
+            <a:r>
+              <a:rPr lang="en"/>
+              <a:t>получение исходного кода из репозитория</a:t>
+            </a:r>
+          </a:p>
+          <a:p>
+            <a:pPr indent="-419100" lvl="0" marL="457200" rtl="0">
+              <a:spcBef>
+                <a:spcPts val="0"/>
+              </a:spcBef>
+              <a:buClr>
+                <a:schemeClr val="lt1"/>
+              </a:buClr>
+              <a:buSzPct val="100000"/>
+              <a:buFont typeface="Arial"/>
+              <a:buChar char="●"/>
+            </a:pPr>
+            <a:r>
+              <a:rPr lang="en"/>
+              <a:t>сборка проекта</a:t>
+            </a:r>
+          </a:p>
+          <a:p>
+            <a:pPr indent="-419100" lvl="0" marL="457200" rtl="0">
+              <a:spcBef>
+                <a:spcPts val="0"/>
+              </a:spcBef>
+              <a:buClr>
+                <a:schemeClr val="lt1"/>
+              </a:buClr>
+              <a:buSzPct val="100000"/>
+              <a:buFont typeface="Arial"/>
+              <a:buChar char="●"/>
+            </a:pPr>
+            <a:r>
+              <a:rPr lang="en"/>
+              <a:t>выполнение тестов</a:t>
+            </a:r>
+          </a:p>
+          <a:p>
+            <a:pPr indent="-419100" lvl="0" marL="457200" rtl="0">
+              <a:spcBef>
+                <a:spcPts val="0"/>
+              </a:spcBef>
+              <a:buClr>
+                <a:schemeClr val="lt1"/>
+              </a:buClr>
+              <a:buSzPct val="100000"/>
+              <a:buFont typeface="Arial"/>
+              <a:buChar char="●"/>
+            </a:pPr>
+            <a:r>
+              <a:rPr lang="en"/>
+              <a:t>развёртывание готового проекта</a:t>
+            </a:r>
+          </a:p>
+          <a:p>
+            <a:pPr indent="-419100" lvl="0" marL="457200" rtl="0">
+              <a:spcBef>
+                <a:spcPts val="0"/>
+              </a:spcBef>
+              <a:buClr>
+                <a:schemeClr val="lt1"/>
+              </a:buClr>
+              <a:buSzPct val="100000"/>
+              <a:buFont typeface="Arial"/>
+              <a:buChar char="●"/>
+            </a:pPr>
+            <a:r>
+              <a:rPr lang="en"/>
+              <a:t>отправка отчетов</a:t>
             </a:r>
           </a:p>
         </p:txBody>
@@ -13615,6 +14670,645 @@
             <a:r>
               <a:rPr lang="en"/>
               <a:t>Проверка на соответствие требованиям заказчика</a:t>
+            </a:r>
+          </a:p>
+        </p:txBody>
+      </p:sp>
+    </p:spTree>
+  </p:cSld>
+  <p:clrMapOvr>
+    <a:masterClrMapping/>
+  </p:clrMapOvr>
+  <p:transition spd="slow">
+    <p:cut/>
+  </p:transition>
+</p:sld>
+</file>
+
+<file path=ppt/slides/slide50.xml><?xml version="1.0" encoding="utf-8"?>
+<p:sld xmlns:a="http://schemas.openxmlformats.org/drawingml/2006/main" xmlns:r="http://schemas.openxmlformats.org/officeDocument/2006/relationships" xmlns:mc="http://schemas.openxmlformats.org/markup-compatibility/2006" xmlns:mv="urn:schemas-microsoft-com:mac:vml" xmlns:p="http://schemas.openxmlformats.org/presentationml/2006/main" xmlns:c="http://schemas.openxmlformats.org/drawingml/2006/chart" xmlns:dgm="http://schemas.openxmlformats.org/drawingml/2006/diagram" xmlns:o="urn:schemas-microsoft-com:office:office" xmlns:v="urn:schemas-microsoft-com:vml" xmlns:pvml="urn:schemas-microsoft-com:office:powerpoint" xmlns:com="http://schemas.openxmlformats.org/drawingml/2006/compatibility" xmlns:p14="http://schemas.microsoft.com/office/powerpoint/2010/main">
+  <p:cSld>
+    <p:spTree>
+      <p:nvGrpSpPr>
+        <p:cNvPr id="323" name="Shape 323"/>
+        <p:cNvGrpSpPr/>
+        <p:nvPr/>
+      </p:nvGrpSpPr>
+      <p:grpSpPr>
+        <a:xfrm>
+          <a:off x="0" y="0"/>
+          <a:ext cx="0" cy="0"/>
+          <a:chOff x="0" y="0"/>
+          <a:chExt cx="0" cy="0"/>
+        </a:xfrm>
+      </p:grpSpPr>
+      <p:sp>
+        <p:nvSpPr>
+          <p:cNvPr id="324" name="Shape 324"/>
+          <p:cNvSpPr txBox="1"/>
+          <p:nvPr>
+            <p:ph type="title"/>
+          </p:nvPr>
+        </p:nvSpPr>
+        <p:spPr>
+          <a:xfrm>
+            <a:off x="457200" y="205978"/>
+            <a:ext cx="8229600" cy="857400"/>
+          </a:xfrm>
+          <a:prstGeom prst="rect">
+            <a:avLst/>
+          </a:prstGeom>
+        </p:spPr>
+        <p:txBody>
+          <a:bodyPr anchorCtr="0" anchor="b" bIns="91425" lIns="91425" rIns="91425" tIns="91425">
+            <a:noAutofit/>
+          </a:bodyPr>
+          <a:lstStyle/>
+          <a:p>
+            <a:pPr lvl="0" rtl="0">
+              <a:spcBef>
+                <a:spcPts val="0"/>
+              </a:spcBef>
+              <a:buNone/>
+            </a:pPr>
+            <a:r>
+              <a:rPr lang="en"/>
+              <a:t>Continuous integration</a:t>
+            </a:r>
+          </a:p>
+        </p:txBody>
+      </p:sp>
+      <p:sp>
+        <p:nvSpPr>
+          <p:cNvPr id="325" name="Shape 325"/>
+          <p:cNvSpPr txBox="1"/>
+          <p:nvPr>
+            <p:ph idx="1" type="body"/>
+          </p:nvPr>
+        </p:nvSpPr>
+        <p:spPr>
+          <a:xfrm>
+            <a:off x="457200" y="1200150"/>
+            <a:ext cx="8229600" cy="3725699"/>
+          </a:xfrm>
+          <a:prstGeom prst="rect">
+            <a:avLst/>
+          </a:prstGeom>
+        </p:spPr>
+        <p:txBody>
+          <a:bodyPr anchorCtr="0" anchor="t" bIns="91425" lIns="91425" rIns="91425" tIns="91425">
+            <a:noAutofit/>
+          </a:bodyPr>
+          <a:lstStyle/>
+          <a:p>
+            <a:pPr indent="-419100" lvl="0" marL="457200" rtl="0">
+              <a:spcBef>
+                <a:spcPts val="0"/>
+              </a:spcBef>
+              <a:buClr>
+                <a:schemeClr val="lt1"/>
+              </a:buClr>
+              <a:buSzPct val="100000"/>
+              <a:buFont typeface="Arial"/>
+              <a:buChar char="●"/>
+            </a:pPr>
+            <a:r>
+              <a:rPr lang="en"/>
+              <a:t>по запросу</a:t>
+            </a:r>
+          </a:p>
+          <a:p>
+            <a:pPr indent="-419100" lvl="0" marL="457200" rtl="0">
+              <a:spcBef>
+                <a:spcPts val="0"/>
+              </a:spcBef>
+              <a:buClr>
+                <a:schemeClr val="lt1"/>
+              </a:buClr>
+              <a:buSzPct val="100000"/>
+              <a:buFont typeface="Arial"/>
+              <a:buChar char="●"/>
+            </a:pPr>
+            <a:r>
+              <a:rPr lang="en"/>
+              <a:t>по расписанию</a:t>
+            </a:r>
+          </a:p>
+          <a:p>
+            <a:pPr indent="-419100" lvl="0" marL="457200" rtl="0">
+              <a:spcBef>
+                <a:spcPts val="0"/>
+              </a:spcBef>
+              <a:buClr>
+                <a:schemeClr val="lt1"/>
+              </a:buClr>
+              <a:buSzPct val="100000"/>
+              <a:buFont typeface="Arial"/>
+              <a:buChar char="●"/>
+            </a:pPr>
+            <a:r>
+              <a:rPr lang="en"/>
+              <a:t>по факту обновления репозитория</a:t>
+            </a:r>
+          </a:p>
+        </p:txBody>
+      </p:sp>
+    </p:spTree>
+  </p:cSld>
+  <p:clrMapOvr>
+    <a:masterClrMapping/>
+  </p:clrMapOvr>
+  <p:transition spd="slow">
+    <p:cut/>
+  </p:transition>
+</p:sld>
+</file>
+
+<file path=ppt/slides/slide51.xml><?xml version="1.0" encoding="utf-8"?>
+<p:sld xmlns:a="http://schemas.openxmlformats.org/drawingml/2006/main" xmlns:r="http://schemas.openxmlformats.org/officeDocument/2006/relationships" xmlns:mc="http://schemas.openxmlformats.org/markup-compatibility/2006" xmlns:mv="urn:schemas-microsoft-com:mac:vml" xmlns:p="http://schemas.openxmlformats.org/presentationml/2006/main" xmlns:c="http://schemas.openxmlformats.org/drawingml/2006/chart" xmlns:dgm="http://schemas.openxmlformats.org/drawingml/2006/diagram" xmlns:o="urn:schemas-microsoft-com:office:office" xmlns:v="urn:schemas-microsoft-com:vml" xmlns:pvml="urn:schemas-microsoft-com:office:powerpoint" xmlns:com="http://schemas.openxmlformats.org/drawingml/2006/compatibility" xmlns:p14="http://schemas.microsoft.com/office/powerpoint/2010/main">
+  <p:cSld>
+    <p:spTree>
+      <p:nvGrpSpPr>
+        <p:cNvPr id="329" name="Shape 329"/>
+        <p:cNvGrpSpPr/>
+        <p:nvPr/>
+      </p:nvGrpSpPr>
+      <p:grpSpPr>
+        <a:xfrm>
+          <a:off x="0" y="0"/>
+          <a:ext cx="0" cy="0"/>
+          <a:chOff x="0" y="0"/>
+          <a:chExt cx="0" cy="0"/>
+        </a:xfrm>
+      </p:grpSpPr>
+      <p:sp>
+        <p:nvSpPr>
+          <p:cNvPr id="330" name="Shape 330"/>
+          <p:cNvSpPr txBox="1"/>
+          <p:nvPr>
+            <p:ph type="title"/>
+          </p:nvPr>
+        </p:nvSpPr>
+        <p:spPr>
+          <a:xfrm>
+            <a:off x="457200" y="205978"/>
+            <a:ext cx="8229600" cy="857400"/>
+          </a:xfrm>
+          <a:prstGeom prst="rect">
+            <a:avLst/>
+          </a:prstGeom>
+        </p:spPr>
+        <p:txBody>
+          <a:bodyPr anchorCtr="0" anchor="b" bIns="91425" lIns="91425" rIns="91425" tIns="91425">
+            <a:noAutofit/>
+          </a:bodyPr>
+          <a:lstStyle/>
+          <a:p>
+            <a:pPr lvl="0" rtl="0">
+              <a:spcBef>
+                <a:spcPts val="0"/>
+              </a:spcBef>
+              <a:buNone/>
+            </a:pPr>
+            <a:r>
+              <a:rPr lang="en"/>
+              <a:t>Continuous integration</a:t>
+            </a:r>
+          </a:p>
+        </p:txBody>
+      </p:sp>
+      <p:sp>
+        <p:nvSpPr>
+          <p:cNvPr id="331" name="Shape 331"/>
+          <p:cNvSpPr txBox="1"/>
+          <p:nvPr>
+            <p:ph idx="1" type="body"/>
+          </p:nvPr>
+        </p:nvSpPr>
+        <p:spPr>
+          <a:xfrm>
+            <a:off x="457200" y="1200150"/>
+            <a:ext cx="8229600" cy="3725699"/>
+          </a:xfrm>
+          <a:prstGeom prst="rect">
+            <a:avLst/>
+          </a:prstGeom>
+        </p:spPr>
+        <p:txBody>
+          <a:bodyPr anchorCtr="0" anchor="t" bIns="91425" lIns="91425" rIns="91425" tIns="91425">
+            <a:noAutofit/>
+          </a:bodyPr>
+          <a:lstStyle/>
+          <a:p>
+            <a:pPr indent="-419100" lvl="0" marL="457200" rtl="0">
+              <a:spcBef>
+                <a:spcPts val="0"/>
+              </a:spcBef>
+              <a:buClr>
+                <a:schemeClr val="lt1"/>
+              </a:buClr>
+              <a:buSzPct val="100000"/>
+              <a:buFont typeface="Arial"/>
+              <a:buChar char="●"/>
+            </a:pPr>
+            <a:r>
+              <a:rPr lang="en"/>
+              <a:t>проблемы интеграции выявляются и исправляются быстро (дешевле)</a:t>
+            </a:r>
+          </a:p>
+          <a:p>
+            <a:pPr indent="-419100" lvl="0" marL="457200" rtl="0">
+              <a:spcBef>
+                <a:spcPts val="0"/>
+              </a:spcBef>
+              <a:buClr>
+                <a:schemeClr val="lt1"/>
+              </a:buClr>
+              <a:buSzPct val="100000"/>
+              <a:buFont typeface="Arial"/>
+              <a:buChar char="●"/>
+            </a:pPr>
+            <a:r>
+              <a:rPr lang="en"/>
+              <a:t>постоянное наличие текущей стабильной версии</a:t>
+            </a:r>
+          </a:p>
+          <a:p>
+            <a:pPr indent="-419100" lvl="0" marL="457200" rtl="0">
+              <a:spcBef>
+                <a:spcPts val="0"/>
+              </a:spcBef>
+              <a:buClr>
+                <a:schemeClr val="lt1"/>
+              </a:buClr>
+              <a:buSzPct val="100000"/>
+              <a:buFont typeface="Arial"/>
+              <a:buChar char="●"/>
+            </a:pPr>
+            <a:r>
+              <a:rPr lang="en"/>
+              <a:t>приучает разработчиков к работе в итеративном режиме с более коротким циклом</a:t>
+            </a:r>
+          </a:p>
+        </p:txBody>
+      </p:sp>
+    </p:spTree>
+  </p:cSld>
+  <p:clrMapOvr>
+    <a:masterClrMapping/>
+  </p:clrMapOvr>
+  <p:transition spd="slow">
+    <p:cut/>
+  </p:transition>
+</p:sld>
+</file>
+
+<file path=ppt/slides/slide52.xml><?xml version="1.0" encoding="utf-8"?>
+<p:sld xmlns:a="http://schemas.openxmlformats.org/drawingml/2006/main" xmlns:r="http://schemas.openxmlformats.org/officeDocument/2006/relationships" xmlns:mc="http://schemas.openxmlformats.org/markup-compatibility/2006" xmlns:mv="urn:schemas-microsoft-com:mac:vml" xmlns:p="http://schemas.openxmlformats.org/presentationml/2006/main" xmlns:c="http://schemas.openxmlformats.org/drawingml/2006/chart" xmlns:dgm="http://schemas.openxmlformats.org/drawingml/2006/diagram" xmlns:o="urn:schemas-microsoft-com:office:office" xmlns:v="urn:schemas-microsoft-com:vml" xmlns:pvml="urn:schemas-microsoft-com:office:powerpoint" xmlns:com="http://schemas.openxmlformats.org/drawingml/2006/compatibility" xmlns:p14="http://schemas.microsoft.com/office/powerpoint/2010/main">
+  <p:cSld>
+    <p:spTree>
+      <p:nvGrpSpPr>
+        <p:cNvPr id="335" name="Shape 335"/>
+        <p:cNvGrpSpPr/>
+        <p:nvPr/>
+      </p:nvGrpSpPr>
+      <p:grpSpPr>
+        <a:xfrm>
+          <a:off x="0" y="0"/>
+          <a:ext cx="0" cy="0"/>
+          <a:chOff x="0" y="0"/>
+          <a:chExt cx="0" cy="0"/>
+        </a:xfrm>
+      </p:grpSpPr>
+      <p:sp>
+        <p:nvSpPr>
+          <p:cNvPr id="336" name="Shape 336"/>
+          <p:cNvSpPr txBox="1"/>
+          <p:nvPr>
+            <p:ph type="title"/>
+          </p:nvPr>
+        </p:nvSpPr>
+        <p:spPr>
+          <a:xfrm>
+            <a:off x="457200" y="205978"/>
+            <a:ext cx="8229600" cy="857400"/>
+          </a:xfrm>
+          <a:prstGeom prst="rect">
+            <a:avLst/>
+          </a:prstGeom>
+        </p:spPr>
+        <p:txBody>
+          <a:bodyPr anchorCtr="0" anchor="b" bIns="91425" lIns="91425" rIns="91425" tIns="91425">
+            <a:noAutofit/>
+          </a:bodyPr>
+          <a:lstStyle/>
+          <a:p>
+            <a:pPr lvl="0">
+              <a:spcBef>
+                <a:spcPts val="0"/>
+              </a:spcBef>
+              <a:buNone/>
+            </a:pPr>
+            <a:r>
+              <a:rPr lang="en"/>
+              <a:t>Continuous integration</a:t>
+            </a:r>
+          </a:p>
+        </p:txBody>
+      </p:sp>
+      <p:pic>
+        <p:nvPicPr>
+          <p:cNvPr id="337" name="Shape 337"/>
+          <p:cNvPicPr preferRelativeResize="0"/>
+          <p:nvPr/>
+        </p:nvPicPr>
+        <p:blipFill>
+          <a:blip r:embed="rId3">
+            <a:alphaModFix/>
+          </a:blip>
+          <a:stretch>
+            <a:fillRect/>
+          </a:stretch>
+        </p:blipFill>
+        <p:spPr>
+          <a:xfrm>
+            <a:off x="1120825" y="1063375"/>
+            <a:ext cx="6902349" cy="3735399"/>
+          </a:xfrm>
+          <a:prstGeom prst="rect">
+            <a:avLst/>
+          </a:prstGeom>
+          <a:noFill/>
+          <a:ln>
+            <a:noFill/>
+          </a:ln>
+        </p:spPr>
+      </p:pic>
+    </p:spTree>
+  </p:cSld>
+  <p:clrMapOvr>
+    <a:masterClrMapping/>
+  </p:clrMapOvr>
+  <p:transition spd="slow">
+    <p:cut/>
+  </p:transition>
+</p:sld>
+</file>
+
+<file path=ppt/slides/slide53.xml><?xml version="1.0" encoding="utf-8"?>
+<p:sld xmlns:a="http://schemas.openxmlformats.org/drawingml/2006/main" xmlns:r="http://schemas.openxmlformats.org/officeDocument/2006/relationships" xmlns:mc="http://schemas.openxmlformats.org/markup-compatibility/2006" xmlns:mv="urn:schemas-microsoft-com:mac:vml" xmlns:p="http://schemas.openxmlformats.org/presentationml/2006/main" xmlns:c="http://schemas.openxmlformats.org/drawingml/2006/chart" xmlns:dgm="http://schemas.openxmlformats.org/drawingml/2006/diagram" xmlns:o="urn:schemas-microsoft-com:office:office" xmlns:v="urn:schemas-microsoft-com:vml" xmlns:pvml="urn:schemas-microsoft-com:office:powerpoint" xmlns:com="http://schemas.openxmlformats.org/drawingml/2006/compatibility" xmlns:p14="http://schemas.microsoft.com/office/powerpoint/2010/main">
+  <p:cSld>
+    <p:spTree>
+      <p:nvGrpSpPr>
+        <p:cNvPr id="341" name="Shape 341"/>
+        <p:cNvGrpSpPr/>
+        <p:nvPr/>
+      </p:nvGrpSpPr>
+      <p:grpSpPr>
+        <a:xfrm>
+          <a:off x="0" y="0"/>
+          <a:ext cx="0" cy="0"/>
+          <a:chOff x="0" y="0"/>
+          <a:chExt cx="0" cy="0"/>
+        </a:xfrm>
+      </p:grpSpPr>
+      <p:sp>
+        <p:nvSpPr>
+          <p:cNvPr id="342" name="Shape 342"/>
+          <p:cNvSpPr txBox="1"/>
+          <p:nvPr>
+            <p:ph type="title"/>
+          </p:nvPr>
+        </p:nvSpPr>
+        <p:spPr>
+          <a:xfrm>
+            <a:off x="457200" y="205978"/>
+            <a:ext cx="8229600" cy="857400"/>
+          </a:xfrm>
+          <a:prstGeom prst="rect">
+            <a:avLst/>
+          </a:prstGeom>
+        </p:spPr>
+        <p:txBody>
+          <a:bodyPr anchorCtr="0" anchor="b" bIns="91425" lIns="91425" rIns="91425" tIns="91425">
+            <a:noAutofit/>
+          </a:bodyPr>
+          <a:lstStyle/>
+          <a:p>
+            <a:pPr>
+              <a:spcBef>
+                <a:spcPts val="0"/>
+              </a:spcBef>
+              <a:buNone/>
+            </a:pPr>
+            <a:r>
+              <a:rPr lang="en"/>
+              <a:t>Demo</a:t>
+            </a:r>
+          </a:p>
+        </p:txBody>
+      </p:sp>
+      <p:sp>
+        <p:nvSpPr>
+          <p:cNvPr id="343" name="Shape 343"/>
+          <p:cNvSpPr txBox="1"/>
+          <p:nvPr>
+            <p:ph idx="1" type="body"/>
+          </p:nvPr>
+        </p:nvSpPr>
+        <p:spPr>
+          <a:xfrm>
+            <a:off x="457200" y="1200150"/>
+            <a:ext cx="8229600" cy="3725699"/>
+          </a:xfrm>
+          <a:prstGeom prst="rect">
+            <a:avLst/>
+          </a:prstGeom>
+        </p:spPr>
+        <p:txBody>
+          <a:bodyPr anchorCtr="0" anchor="t" bIns="91425" lIns="91425" rIns="91425" tIns="91425">
+            <a:noAutofit/>
+          </a:bodyPr>
+          <a:lstStyle/>
+          <a:p>
+            <a:pPr rtl="0">
+              <a:spcBef>
+                <a:spcPts val="0"/>
+              </a:spcBef>
+              <a:buNone/>
+            </a:pPr>
+            <a:r>
+              <a:rPr lang="en" u="sng">
+                <a:solidFill>
+                  <a:schemeClr val="hlink"/>
+                </a:solidFill>
+                <a:hlinkClick r:id="rId3"/>
+              </a:rPr>
+              <a:t>https://builds.apache.org/</a:t>
+            </a:r>
+          </a:p>
+          <a:p>
+            <a:pPr>
+              <a:spcBef>
+                <a:spcPts val="0"/>
+              </a:spcBef>
+              <a:buNone/>
+            </a:pPr>
+            <a:r>
+              <a:t/>
+            </a:r>
+            <a:endParaRPr/>
+          </a:p>
+        </p:txBody>
+      </p:sp>
+    </p:spTree>
+  </p:cSld>
+  <p:clrMapOvr>
+    <a:masterClrMapping/>
+  </p:clrMapOvr>
+  <p:transition spd="slow">
+    <p:cut/>
+  </p:transition>
+</p:sld>
+</file>
+
+<file path=ppt/slides/slide54.xml><?xml version="1.0" encoding="utf-8"?>
+<p:sld xmlns:a="http://schemas.openxmlformats.org/drawingml/2006/main" xmlns:r="http://schemas.openxmlformats.org/officeDocument/2006/relationships" xmlns:mc="http://schemas.openxmlformats.org/markup-compatibility/2006" xmlns:mv="urn:schemas-microsoft-com:mac:vml" xmlns:p="http://schemas.openxmlformats.org/presentationml/2006/main" xmlns:c="http://schemas.openxmlformats.org/drawingml/2006/chart" xmlns:dgm="http://schemas.openxmlformats.org/drawingml/2006/diagram" xmlns:o="urn:schemas-microsoft-com:office:office" xmlns:v="urn:schemas-microsoft-com:vml" xmlns:pvml="urn:schemas-microsoft-com:office:powerpoint" xmlns:com="http://schemas.openxmlformats.org/drawingml/2006/compatibility" xmlns:p14="http://schemas.microsoft.com/office/powerpoint/2010/main">
+  <p:cSld>
+    <p:spTree>
+      <p:nvGrpSpPr>
+        <p:cNvPr id="347" name="Shape 347"/>
+        <p:cNvGrpSpPr/>
+        <p:nvPr/>
+      </p:nvGrpSpPr>
+      <p:grpSpPr>
+        <a:xfrm>
+          <a:off x="0" y="0"/>
+          <a:ext cx="0" cy="0"/>
+          <a:chOff x="0" y="0"/>
+          <a:chExt cx="0" cy="0"/>
+        </a:xfrm>
+      </p:grpSpPr>
+      <p:sp>
+        <p:nvSpPr>
+          <p:cNvPr id="348" name="Shape 348"/>
+          <p:cNvSpPr txBox="1"/>
+          <p:nvPr>
+            <p:ph type="title"/>
+          </p:nvPr>
+        </p:nvSpPr>
+        <p:spPr>
+          <a:xfrm>
+            <a:off x="457200" y="205978"/>
+            <a:ext cx="8229600" cy="857400"/>
+          </a:xfrm>
+          <a:prstGeom prst="rect">
+            <a:avLst/>
+          </a:prstGeom>
+        </p:spPr>
+        <p:txBody>
+          <a:bodyPr anchorCtr="0" anchor="b" bIns="91425" lIns="91425" rIns="91425" tIns="91425">
+            <a:noAutofit/>
+          </a:bodyPr>
+          <a:lstStyle/>
+          <a:p>
+            <a:pPr lvl="0" rtl="0">
+              <a:spcBef>
+                <a:spcPts val="0"/>
+              </a:spcBef>
+              <a:buNone/>
+            </a:pPr>
+            <a:r>
+              <a:rPr lang="en"/>
+              <a:t>Вопросы</a:t>
+            </a:r>
+          </a:p>
+        </p:txBody>
+      </p:sp>
+      <p:pic>
+        <p:nvPicPr>
+          <p:cNvPr id="349" name="Shape 349"/>
+          <p:cNvPicPr preferRelativeResize="0"/>
+          <p:nvPr/>
+        </p:nvPicPr>
+        <p:blipFill>
+          <a:blip r:embed="rId3">
+            <a:alphaModFix/>
+          </a:blip>
+          <a:stretch>
+            <a:fillRect/>
+          </a:stretch>
+        </p:blipFill>
+        <p:spPr>
+          <a:xfrm>
+            <a:off x="3752850" y="2088750"/>
+            <a:ext cx="1316199" cy="1316199"/>
+          </a:xfrm>
+          <a:prstGeom prst="rect">
+            <a:avLst/>
+          </a:prstGeom>
+          <a:noFill/>
+          <a:ln>
+            <a:noFill/>
+          </a:ln>
+        </p:spPr>
+      </p:pic>
+      <p:sp>
+        <p:nvSpPr>
+          <p:cNvPr id="350" name="Shape 350"/>
+          <p:cNvSpPr txBox="1"/>
+          <p:nvPr/>
+        </p:nvSpPr>
+        <p:spPr>
+          <a:xfrm>
+            <a:off x="5157025" y="4006525"/>
+            <a:ext cx="3529799" cy="751200"/>
+          </a:xfrm>
+          <a:prstGeom prst="rect">
+            <a:avLst/>
+          </a:prstGeom>
+          <a:noFill/>
+          <a:ln>
+            <a:noFill/>
+          </a:ln>
+        </p:spPr>
+        <p:txBody>
+          <a:bodyPr anchorCtr="0" anchor="b" bIns="91425" lIns="91425" rIns="91425" tIns="91425">
+            <a:noAutofit/>
+          </a:bodyPr>
+          <a:lstStyle/>
+          <a:p>
+            <a:pPr lvl="0" rtl="0" algn="r">
+              <a:spcBef>
+                <a:spcPts val="0"/>
+              </a:spcBef>
+              <a:buNone/>
+            </a:pPr>
+            <a:r>
+              <a:rPr lang="en" u="sng">
+                <a:solidFill>
+                  <a:schemeClr val="hlink"/>
+                </a:solidFill>
+                <a:hlinkClick r:id="rId4"/>
+              </a:rPr>
+              <a:t>vladimir.p.polyakov@gmail.com</a:t>
+            </a:r>
+          </a:p>
+          <a:p>
+            <a:pPr lvl="0" rtl="0" algn="r">
+              <a:spcBef>
+                <a:spcPts val="0"/>
+              </a:spcBef>
+              <a:buNone/>
+            </a:pPr>
+            <a:r>
+              <a:rPr lang="en" u="sng">
+                <a:solidFill>
+                  <a:schemeClr val="hlink"/>
+                </a:solidFill>
+                <a:hlinkClick r:id="rId5"/>
+              </a:rPr>
+              <a:t>https://github.com/drxaos-edu</a:t>
             </a:r>
           </a:p>
         </p:txBody>
@@ -14227,6 +15921,283 @@
 </file>
 
 <file path=ppt/theme/theme1.xml><?xml version="1.0" encoding="utf-8"?>
+<a:theme xmlns:a="http://schemas.openxmlformats.org/drawingml/2006/main" xmlns:r="http://schemas.openxmlformats.org/officeDocument/2006/relationships" name="Custom Theme">
+  <a:themeElements>
+    <a:clrScheme name="Default">
+      <a:dk1>
+        <a:srgbClr val="000000"/>
+      </a:dk1>
+      <a:lt1>
+        <a:srgbClr val="FFFFFF"/>
+      </a:lt1>
+      <a:dk2>
+        <a:srgbClr val="158158"/>
+      </a:dk2>
+      <a:lt2>
+        <a:srgbClr val="F3F3F3"/>
+      </a:lt2>
+      <a:accent1>
+        <a:srgbClr val="058DC7"/>
+      </a:accent1>
+      <a:accent2>
+        <a:srgbClr val="50B432"/>
+      </a:accent2>
+      <a:accent3>
+        <a:srgbClr val="ED561B"/>
+      </a:accent3>
+      <a:accent4>
+        <a:srgbClr val="EDEF00"/>
+      </a:accent4>
+      <a:accent5>
+        <a:srgbClr val="24CBE5"/>
+      </a:accent5>
+      <a:accent6>
+        <a:srgbClr val="64E572"/>
+      </a:accent6>
+      <a:hlink>
+        <a:srgbClr val="2200CC"/>
+      </a:hlink>
+      <a:folHlink>
+        <a:srgbClr val="551A8B"/>
+      </a:folHlink>
+    </a:clrScheme>
+    <a:fontScheme name="Office">
+      <a:majorFont>
+        <a:latin typeface="Arial"/>
+        <a:ea typeface=""/>
+        <a:cs typeface=""/>
+        <a:font script="Jpan" typeface="ＭＳ Ｐゴシック"/>
+        <a:font script="Hang" typeface="맑은 고딕"/>
+        <a:font script="Hans" typeface="宋体"/>
+        <a:font script="Hant" typeface="新細明體"/>
+        <a:font script="Arab" typeface="Times New Roman"/>
+        <a:font script="Hebr" typeface="Times New Roman"/>
+        <a:font script="Thai" typeface="Angsana New"/>
+        <a:font script="Ethi" typeface="Nyala"/>
+        <a:font script="Beng" typeface="Vrinda"/>
+        <a:font script="Gujr" typeface="Shruti"/>
+        <a:font script="Khmr" typeface="MoolBoran"/>
+        <a:font script="Knda" typeface="Tunga"/>
+        <a:font script="Guru" typeface="Raavi"/>
+        <a:font script="Cans" typeface="Euphemia"/>
+        <a:font script="Cher" typeface="Plantagenet Cherokee"/>
+        <a:font script="Yiii" typeface="Microsoft Yi Baiti"/>
+        <a:font script="Tibt" typeface="Microsoft Himalaya"/>
+        <a:font script="Thaa" typeface="MV Boli"/>
+        <a:font script="Deva" typeface="Mangal"/>
+        <a:font script="Telu" typeface="Gautami"/>
+        <a:font script="Taml" typeface="Latha"/>
+        <a:font script="Syrc" typeface="Estrangelo Edessa"/>
+        <a:font script="Orya" typeface="Kalinga"/>
+        <a:font script="Mlym" typeface="Kartika"/>
+        <a:font script="Laoo" typeface="DokChampa"/>
+        <a:font script="Sinh" typeface="Iskoola Pota"/>
+        <a:font script="Mong" typeface="Mongolian Baiti"/>
+        <a:font script="Viet" typeface="Times New Roman"/>
+        <a:font script="Uigh" typeface="Microsoft Uighur"/>
+      </a:majorFont>
+      <a:minorFont>
+        <a:latin typeface="Arial"/>
+        <a:ea typeface=""/>
+        <a:cs typeface=""/>
+        <a:font script="Jpan" typeface="ＭＳ Ｐゴシック"/>
+        <a:font script="Hang" typeface="맑은 고딕"/>
+        <a:font script="Hans" typeface="宋体"/>
+        <a:font script="Hant" typeface="新細明體"/>
+        <a:font script="Arab" typeface="Times New Roman"/>
+        <a:font script="Hebr" typeface="Times New Roman"/>
+        <a:font script="Thai" typeface="Angsana New"/>
+        <a:font script="Ethi" typeface="Nyala"/>
+        <a:font script="Beng" typeface="Vrinda"/>
+        <a:font script="Gujr" typeface="Shruti"/>
+        <a:font script="Khmr" typeface="MoolBoran"/>
+        <a:font script="Knda" typeface="Tunga"/>
+        <a:font script="Guru" typeface="Raavi"/>
+        <a:font script="Cans" typeface="Euphemia"/>
+        <a:font script="Cher" typeface="Plantagenet Cherokee"/>
+        <a:font script="Yiii" typeface="Microsoft Yi Baiti"/>
+        <a:font script="Tibt" typeface="Microsoft Himalaya"/>
+        <a:font script="Thaa" typeface="MV Boli"/>
+        <a:font script="Deva" typeface="Mangal"/>
+        <a:font script="Telu" typeface="Gautami"/>
+        <a:font script="Taml" typeface="Latha"/>
+        <a:font script="Syrc" typeface="Estrangelo Edessa"/>
+        <a:font script="Orya" typeface="Kalinga"/>
+        <a:font script="Mlym" typeface="Kartika"/>
+        <a:font script="Laoo" typeface="DokChampa"/>
+        <a:font script="Sinh" typeface="Iskoola Pota"/>
+        <a:font script="Mong" typeface="Mongolian Baiti"/>
+        <a:font script="Viet" typeface="Times New Roman"/>
+        <a:font script="Uigh" typeface="Microsoft Uighur"/>
+      </a:minorFont>
+    </a:fontScheme>
+    <a:fmtScheme name="Office">
+      <a:fillStyleLst>
+        <a:solidFill>
+          <a:schemeClr val="phClr"/>
+        </a:solidFill>
+        <a:gradFill rotWithShape="1">
+          <a:gsLst>
+            <a:gs pos="0">
+              <a:schemeClr val="phClr">
+                <a:tint val="50000"/>
+                <a:satMod val="300000"/>
+              </a:schemeClr>
+            </a:gs>
+            <a:gs pos="35000">
+              <a:schemeClr val="phClr">
+                <a:tint val="37000"/>
+                <a:satMod val="300000"/>
+              </a:schemeClr>
+            </a:gs>
+            <a:gs pos="100000">
+              <a:schemeClr val="phClr">
+                <a:tint val="15000"/>
+                <a:satMod val="350000"/>
+              </a:schemeClr>
+            </a:gs>
+          </a:gsLst>
+          <a:lin ang="16200000" scaled="1"/>
+        </a:gradFill>
+        <a:gradFill rotWithShape="1">
+          <a:gsLst>
+            <a:gs pos="0">
+              <a:schemeClr val="phClr">
+                <a:tint val="100000"/>
+                <a:shade val="100000"/>
+                <a:satMod val="130000"/>
+              </a:schemeClr>
+            </a:gs>
+            <a:gs pos="100000">
+              <a:schemeClr val="phClr">
+                <a:tint val="50000"/>
+                <a:shade val="100000"/>
+                <a:satMod val="350000"/>
+              </a:schemeClr>
+            </a:gs>
+          </a:gsLst>
+          <a:lin ang="16200000" scaled="0"/>
+        </a:gradFill>
+      </a:fillStyleLst>
+      <a:lnStyleLst>
+        <a:ln cap="flat" cmpd="sng" w="9525" algn="ctr">
+          <a:solidFill>
+            <a:schemeClr val="phClr">
+              <a:shade val="95000"/>
+              <a:satMod val="105000"/>
+            </a:schemeClr>
+          </a:solidFill>
+          <a:prstDash val="solid"/>
+        </a:ln>
+        <a:ln cap="flat" cmpd="sng" w="25400" algn="ctr">
+          <a:solidFill>
+            <a:schemeClr val="phClr"/>
+          </a:solidFill>
+          <a:prstDash val="solid"/>
+        </a:ln>
+        <a:ln cap="flat" cmpd="sng" w="38100" algn="ctr">
+          <a:solidFill>
+            <a:schemeClr val="phClr"/>
+          </a:solidFill>
+          <a:prstDash val="solid"/>
+        </a:ln>
+      </a:lnStyleLst>
+      <a:effectStyleLst>
+        <a:effectStyle>
+          <a:effectLst>
+            <a:outerShdw blurRad="40000" rotWithShape="0" dir="5400000" dist="20000">
+              <a:srgbClr val="000000">
+                <a:alpha val="38000"/>
+              </a:srgbClr>
+            </a:outerShdw>
+          </a:effectLst>
+        </a:effectStyle>
+        <a:effectStyle>
+          <a:effectLst>
+            <a:outerShdw blurRad="40000" rotWithShape="0" dir="5400000" dist="23000">
+              <a:srgbClr val="000000">
+                <a:alpha val="35000"/>
+              </a:srgbClr>
+            </a:outerShdw>
+          </a:effectLst>
+        </a:effectStyle>
+        <a:effectStyle>
+          <a:effectLst>
+            <a:outerShdw blurRad="40000" rotWithShape="0" dir="5400000" dist="23000">
+              <a:srgbClr val="000000">
+                <a:alpha val="35000"/>
+              </a:srgbClr>
+            </a:outerShdw>
+          </a:effectLst>
+          <a:scene3d>
+            <a:camera prst="orthographicFront">
+              <a:rot lat="0" lon="0" rev="0"/>
+            </a:camera>
+            <a:lightRig dir="t" rig="threePt">
+              <a:rot lat="0" lon="0" rev="1200000"/>
+            </a:lightRig>
+          </a:scene3d>
+          <a:sp3d>
+            <a:bevelT h="25400" w="63500"/>
+          </a:sp3d>
+        </a:effectStyle>
+      </a:effectStyleLst>
+      <a:bgFillStyleLst>
+        <a:solidFill>
+          <a:schemeClr val="phClr"/>
+        </a:solidFill>
+        <a:gradFill rotWithShape="1">
+          <a:gsLst>
+            <a:gs pos="0">
+              <a:schemeClr val="phClr">
+                <a:tint val="40000"/>
+                <a:satMod val="350000"/>
+              </a:schemeClr>
+            </a:gs>
+            <a:gs pos="40000">
+              <a:schemeClr val="phClr">
+                <a:tint val="45000"/>
+                <a:shade val="99000"/>
+                <a:satMod val="350000"/>
+              </a:schemeClr>
+            </a:gs>
+            <a:gs pos="100000">
+              <a:schemeClr val="phClr">
+                <a:shade val="20000"/>
+                <a:satMod val="255000"/>
+              </a:schemeClr>
+            </a:gs>
+          </a:gsLst>
+          <a:path path="circle">
+            <a:fillToRect b="180000" l="50000" r="50000" t="-80000"/>
+          </a:path>
+        </a:gradFill>
+        <a:gradFill rotWithShape="1">
+          <a:gsLst>
+            <a:gs pos="0">
+              <a:schemeClr val="phClr">
+                <a:tint val="80000"/>
+                <a:satMod val="300000"/>
+              </a:schemeClr>
+            </a:gs>
+            <a:gs pos="100000">
+              <a:schemeClr val="phClr">
+                <a:shade val="30000"/>
+                <a:satMod val="200000"/>
+              </a:schemeClr>
+            </a:gs>
+          </a:gsLst>
+          <a:path path="circle">
+            <a:fillToRect b="50000" l="50000" r="50000" t="50000"/>
+          </a:path>
+        </a:gradFill>
+      </a:bgFillStyleLst>
+    </a:fmtScheme>
+  </a:themeElements>
+</a:theme>
+</file>
+
+<file path=ppt/theme/theme2.xml><?xml version="1.0" encoding="utf-8"?>
 <a:theme xmlns:a="http://schemas.openxmlformats.org/drawingml/2006/main" xmlns:r="http://schemas.openxmlformats.org/officeDocument/2006/relationships" name="Office Theme">
   <a:themeElements>
     <a:clrScheme name="Office">
@@ -14543,283 +16514,6 @@
 </a:theme>
 </file>
 
-<file path=ppt/theme/theme2.xml><?xml version="1.0" encoding="utf-8"?>
-<a:theme xmlns:a="http://schemas.openxmlformats.org/drawingml/2006/main" xmlns:r="http://schemas.openxmlformats.org/officeDocument/2006/relationships" name="Custom Theme">
-  <a:themeElements>
-    <a:clrScheme name="Default">
-      <a:dk1>
-        <a:srgbClr val="000000"/>
-      </a:dk1>
-      <a:lt1>
-        <a:srgbClr val="FFFFFF"/>
-      </a:lt1>
-      <a:dk2>
-        <a:srgbClr val="158158"/>
-      </a:dk2>
-      <a:lt2>
-        <a:srgbClr val="F3F3F3"/>
-      </a:lt2>
-      <a:accent1>
-        <a:srgbClr val="058DC7"/>
-      </a:accent1>
-      <a:accent2>
-        <a:srgbClr val="50B432"/>
-      </a:accent2>
-      <a:accent3>
-        <a:srgbClr val="ED561B"/>
-      </a:accent3>
-      <a:accent4>
-        <a:srgbClr val="EDEF00"/>
-      </a:accent4>
-      <a:accent5>
-        <a:srgbClr val="24CBE5"/>
-      </a:accent5>
-      <a:accent6>
-        <a:srgbClr val="64E572"/>
-      </a:accent6>
-      <a:hlink>
-        <a:srgbClr val="2200CC"/>
-      </a:hlink>
-      <a:folHlink>
-        <a:srgbClr val="551A8B"/>
-      </a:folHlink>
-    </a:clrScheme>
-    <a:fontScheme name="Office">
-      <a:majorFont>
-        <a:latin typeface="Arial"/>
-        <a:ea typeface=""/>
-        <a:cs typeface=""/>
-        <a:font script="Jpan" typeface="ＭＳ Ｐゴシック"/>
-        <a:font script="Hang" typeface="맑은 고딕"/>
-        <a:font script="Hans" typeface="宋体"/>
-        <a:font script="Hant" typeface="新細明體"/>
-        <a:font script="Arab" typeface="Times New Roman"/>
-        <a:font script="Hebr" typeface="Times New Roman"/>
-        <a:font script="Thai" typeface="Angsana New"/>
-        <a:font script="Ethi" typeface="Nyala"/>
-        <a:font script="Beng" typeface="Vrinda"/>
-        <a:font script="Gujr" typeface="Shruti"/>
-        <a:font script="Khmr" typeface="MoolBoran"/>
-        <a:font script="Knda" typeface="Tunga"/>
-        <a:font script="Guru" typeface="Raavi"/>
-        <a:font script="Cans" typeface="Euphemia"/>
-        <a:font script="Cher" typeface="Plantagenet Cherokee"/>
-        <a:font script="Yiii" typeface="Microsoft Yi Baiti"/>
-        <a:font script="Tibt" typeface="Microsoft Himalaya"/>
-        <a:font script="Thaa" typeface="MV Boli"/>
-        <a:font script="Deva" typeface="Mangal"/>
-        <a:font script="Telu" typeface="Gautami"/>
-        <a:font script="Taml" typeface="Latha"/>
-        <a:font script="Syrc" typeface="Estrangelo Edessa"/>
-        <a:font script="Orya" typeface="Kalinga"/>
-        <a:font script="Mlym" typeface="Kartika"/>
-        <a:font script="Laoo" typeface="DokChampa"/>
-        <a:font script="Sinh" typeface="Iskoola Pota"/>
-        <a:font script="Mong" typeface="Mongolian Baiti"/>
-        <a:font script="Viet" typeface="Times New Roman"/>
-        <a:font script="Uigh" typeface="Microsoft Uighur"/>
-      </a:majorFont>
-      <a:minorFont>
-        <a:latin typeface="Arial"/>
-        <a:ea typeface=""/>
-        <a:cs typeface=""/>
-        <a:font script="Jpan" typeface="ＭＳ Ｐゴシック"/>
-        <a:font script="Hang" typeface="맑은 고딕"/>
-        <a:font script="Hans" typeface="宋体"/>
-        <a:font script="Hant" typeface="新細明體"/>
-        <a:font script="Arab" typeface="Times New Roman"/>
-        <a:font script="Hebr" typeface="Times New Roman"/>
-        <a:font script="Thai" typeface="Angsana New"/>
-        <a:font script="Ethi" typeface="Nyala"/>
-        <a:font script="Beng" typeface="Vrinda"/>
-        <a:font script="Gujr" typeface="Shruti"/>
-        <a:font script="Khmr" typeface="MoolBoran"/>
-        <a:font script="Knda" typeface="Tunga"/>
-        <a:font script="Guru" typeface="Raavi"/>
-        <a:font script="Cans" typeface="Euphemia"/>
-        <a:font script="Cher" typeface="Plantagenet Cherokee"/>
-        <a:font script="Yiii" typeface="Microsoft Yi Baiti"/>
-        <a:font script="Tibt" typeface="Microsoft Himalaya"/>
-        <a:font script="Thaa" typeface="MV Boli"/>
-        <a:font script="Deva" typeface="Mangal"/>
-        <a:font script="Telu" typeface="Gautami"/>
-        <a:font script="Taml" typeface="Latha"/>
-        <a:font script="Syrc" typeface="Estrangelo Edessa"/>
-        <a:font script="Orya" typeface="Kalinga"/>
-        <a:font script="Mlym" typeface="Kartika"/>
-        <a:font script="Laoo" typeface="DokChampa"/>
-        <a:font script="Sinh" typeface="Iskoola Pota"/>
-        <a:font script="Mong" typeface="Mongolian Baiti"/>
-        <a:font script="Viet" typeface="Times New Roman"/>
-        <a:font script="Uigh" typeface="Microsoft Uighur"/>
-      </a:minorFont>
-    </a:fontScheme>
-    <a:fmtScheme name="Office">
-      <a:fillStyleLst>
-        <a:solidFill>
-          <a:schemeClr val="phClr"/>
-        </a:solidFill>
-        <a:gradFill rotWithShape="1">
-          <a:gsLst>
-            <a:gs pos="0">
-              <a:schemeClr val="phClr">
-                <a:tint val="50000"/>
-                <a:satMod val="300000"/>
-              </a:schemeClr>
-            </a:gs>
-            <a:gs pos="35000">
-              <a:schemeClr val="phClr">
-                <a:tint val="37000"/>
-                <a:satMod val="300000"/>
-              </a:schemeClr>
-            </a:gs>
-            <a:gs pos="100000">
-              <a:schemeClr val="phClr">
-                <a:tint val="15000"/>
-                <a:satMod val="350000"/>
-              </a:schemeClr>
-            </a:gs>
-          </a:gsLst>
-          <a:lin ang="16200000" scaled="1"/>
-        </a:gradFill>
-        <a:gradFill rotWithShape="1">
-          <a:gsLst>
-            <a:gs pos="0">
-              <a:schemeClr val="phClr">
-                <a:tint val="100000"/>
-                <a:shade val="100000"/>
-                <a:satMod val="130000"/>
-              </a:schemeClr>
-            </a:gs>
-            <a:gs pos="100000">
-              <a:schemeClr val="phClr">
-                <a:tint val="50000"/>
-                <a:shade val="100000"/>
-                <a:satMod val="350000"/>
-              </a:schemeClr>
-            </a:gs>
-          </a:gsLst>
-          <a:lin ang="16200000" scaled="0"/>
-        </a:gradFill>
-      </a:fillStyleLst>
-      <a:lnStyleLst>
-        <a:ln cap="flat" cmpd="sng" w="9525" algn="ctr">
-          <a:solidFill>
-            <a:schemeClr val="phClr">
-              <a:shade val="95000"/>
-              <a:satMod val="105000"/>
-            </a:schemeClr>
-          </a:solidFill>
-          <a:prstDash val="solid"/>
-        </a:ln>
-        <a:ln cap="flat" cmpd="sng" w="25400" algn="ctr">
-          <a:solidFill>
-            <a:schemeClr val="phClr"/>
-          </a:solidFill>
-          <a:prstDash val="solid"/>
-        </a:ln>
-        <a:ln cap="flat" cmpd="sng" w="38100" algn="ctr">
-          <a:solidFill>
-            <a:schemeClr val="phClr"/>
-          </a:solidFill>
-          <a:prstDash val="solid"/>
-        </a:ln>
-      </a:lnStyleLst>
-      <a:effectStyleLst>
-        <a:effectStyle>
-          <a:effectLst>
-            <a:outerShdw blurRad="40000" rotWithShape="0" dir="5400000" dist="20000">
-              <a:srgbClr val="000000">
-                <a:alpha val="38000"/>
-              </a:srgbClr>
-            </a:outerShdw>
-          </a:effectLst>
-        </a:effectStyle>
-        <a:effectStyle>
-          <a:effectLst>
-            <a:outerShdw blurRad="40000" rotWithShape="0" dir="5400000" dist="23000">
-              <a:srgbClr val="000000">
-                <a:alpha val="35000"/>
-              </a:srgbClr>
-            </a:outerShdw>
-          </a:effectLst>
-        </a:effectStyle>
-        <a:effectStyle>
-          <a:effectLst>
-            <a:outerShdw blurRad="40000" rotWithShape="0" dir="5400000" dist="23000">
-              <a:srgbClr val="000000">
-                <a:alpha val="35000"/>
-              </a:srgbClr>
-            </a:outerShdw>
-          </a:effectLst>
-          <a:scene3d>
-            <a:camera prst="orthographicFront">
-              <a:rot lat="0" lon="0" rev="0"/>
-            </a:camera>
-            <a:lightRig dir="t" rig="threePt">
-              <a:rot lat="0" lon="0" rev="1200000"/>
-            </a:lightRig>
-          </a:scene3d>
-          <a:sp3d>
-            <a:bevelT h="25400" w="63500"/>
-          </a:sp3d>
-        </a:effectStyle>
-      </a:effectStyleLst>
-      <a:bgFillStyleLst>
-        <a:solidFill>
-          <a:schemeClr val="phClr"/>
-        </a:solidFill>
-        <a:gradFill rotWithShape="1">
-          <a:gsLst>
-            <a:gs pos="0">
-              <a:schemeClr val="phClr">
-                <a:tint val="40000"/>
-                <a:satMod val="350000"/>
-              </a:schemeClr>
-            </a:gs>
-            <a:gs pos="40000">
-              <a:schemeClr val="phClr">
-                <a:tint val="45000"/>
-                <a:shade val="99000"/>
-                <a:satMod val="350000"/>
-              </a:schemeClr>
-            </a:gs>
-            <a:gs pos="100000">
-              <a:schemeClr val="phClr">
-                <a:shade val="20000"/>
-                <a:satMod val="255000"/>
-              </a:schemeClr>
-            </a:gs>
-          </a:gsLst>
-          <a:path path="circle">
-            <a:fillToRect b="180000" l="50000" r="50000" t="-80000"/>
-          </a:path>
-        </a:gradFill>
-        <a:gradFill rotWithShape="1">
-          <a:gsLst>
-            <a:gs pos="0">
-              <a:schemeClr val="phClr">
-                <a:tint val="80000"/>
-                <a:satMod val="300000"/>
-              </a:schemeClr>
-            </a:gs>
-            <a:gs pos="100000">
-              <a:schemeClr val="phClr">
-                <a:shade val="30000"/>
-                <a:satMod val="200000"/>
-              </a:schemeClr>
-            </a:gs>
-          </a:gsLst>
-          <a:path path="circle">
-            <a:fillToRect b="50000" l="50000" r="50000" t="50000"/>
-          </a:path>
-        </a:gradFill>
-      </a:bgFillStyleLst>
-    </a:fmtScheme>
-  </a:themeElements>
-</a:theme>
-</file>
-
 <file path=ppt/theme/theme3.xml><?xml version="1.0" encoding="utf-8"?>
 <a:theme xmlns:a="http://schemas.openxmlformats.org/drawingml/2006/main" xmlns:r="http://schemas.openxmlformats.org/officeDocument/2006/relationships" name="dark-gradient">
   <a:themeElements>
